--- a/random_walks_project_v4.pptx
+++ b/random_walks_project_v4.pptx
@@ -11,6 +11,9 @@
     <p:sldMasterId id="2147483665" r:id="rId7"/>
     <p:sldMasterId id="2147483668" r:id="rId8"/>
   </p:sldMasterIdLst>
+  <p:notesMasterIdLst>
+    <p:notesMasterId r:id="rId22"/>
+  </p:notesMasterIdLst>
   <p:sldIdLst>
     <p:sldId id="256" r:id="rId9"/>
     <p:sldId id="268" r:id="rId10"/>
@@ -134,8 +137,7 @@
 <file path=ppt/revisionInfo.xml><?xml version="1.0" encoding="utf-8"?>
 <p1510:revInfo xmlns:a="http://schemas.openxmlformats.org/drawingml/2006/main" xmlns:r="http://schemas.openxmlformats.org/officeDocument/2006/relationships" xmlns:p1510="http://schemas.microsoft.com/office/powerpoint/2015/10/main">
   <p1510:revLst>
-    <p1510:client id="{062F9CD9-FB25-403D-9A82-D3F541407AE9}" v="9" dt="2025-08-08T13:32:57.188"/>
-    <p1510:client id="{ACAC1771-F09D-4340-9DD5-6153187C3B4B}" v="43" dt="2025-08-07T15:40:36.215"/>
+    <p1510:client id="{062F9CD9-FB25-403D-9A82-D3F541407AE9}" v="49" dt="2025-08-08T15:27:03.036"/>
   </p1510:revLst>
 </p1510:revInfo>
 </file>
@@ -795,12 +797,251 @@
   <pc:docChgLst>
     <pc:chgData name="Yevgeny Menaker" userId="cf90ab60ec4b5844" providerId="LiveId" clId="{062F9CD9-FB25-403D-9A82-D3F541407AE9}"/>
     <pc:docChg chg="custSel addSld modSld">
-      <pc:chgData name="Yevgeny Menaker" userId="cf90ab60ec4b5844" providerId="LiveId" clId="{062F9CD9-FB25-403D-9A82-D3F541407AE9}" dt="2025-08-08T13:40:46.978" v="750" actId="20577"/>
+      <pc:chgData name="Yevgeny Menaker" userId="cf90ab60ec4b5844" providerId="LiveId" clId="{062F9CD9-FB25-403D-9A82-D3F541407AE9}" dt="2025-08-08T16:06:16.322" v="816" actId="478"/>
       <pc:docMkLst>
         <pc:docMk/>
       </pc:docMkLst>
-      <pc:sldChg chg="modSp mod">
-        <pc:chgData name="Yevgeny Menaker" userId="cf90ab60ec4b5844" providerId="LiveId" clId="{062F9CD9-FB25-403D-9A82-D3F541407AE9}" dt="2025-08-08T13:17:04.384" v="415" actId="1076"/>
+      <pc:sldChg chg="addSp delSp modSp mod modTransition delAnim modAnim modNotesTx">
+        <pc:chgData name="Yevgeny Menaker" userId="cf90ab60ec4b5844" providerId="LiveId" clId="{062F9CD9-FB25-403D-9A82-D3F541407AE9}" dt="2025-08-08T16:05:19.303" v="807" actId="478"/>
+        <pc:sldMkLst>
+          <pc:docMk/>
+          <pc:sldMk cId="0" sldId="256"/>
+        </pc:sldMkLst>
+        <pc:picChg chg="add del mod">
+          <ac:chgData name="Yevgeny Menaker" userId="cf90ab60ec4b5844" providerId="LiveId" clId="{062F9CD9-FB25-403D-9A82-D3F541407AE9}" dt="2025-08-08T15:04:02.263" v="754"/>
+          <ac:picMkLst>
+            <pc:docMk/>
+            <pc:sldMk cId="0" sldId="256"/>
+            <ac:picMk id="4" creationId="{3D246F84-8670-14F9-5A44-56BF45F4EBA5}"/>
+          </ac:picMkLst>
+        </pc:picChg>
+        <pc:picChg chg="add del mod ord">
+          <ac:chgData name="Yevgeny Menaker" userId="cf90ab60ec4b5844" providerId="LiveId" clId="{062F9CD9-FB25-403D-9A82-D3F541407AE9}" dt="2025-08-08T15:04:36.178" v="755"/>
+          <ac:picMkLst>
+            <pc:docMk/>
+            <pc:sldMk cId="0" sldId="256"/>
+            <ac:picMk id="7" creationId="{718A140C-9F90-FD5A-A6AA-1F73F7D35BE8}"/>
+          </ac:picMkLst>
+        </pc:picChg>
+        <pc:picChg chg="add del mod">
+          <ac:chgData name="Yevgeny Menaker" userId="cf90ab60ec4b5844" providerId="LiveId" clId="{062F9CD9-FB25-403D-9A82-D3F541407AE9}" dt="2025-08-08T15:05:51.859" v="757"/>
+          <ac:picMkLst>
+            <pc:docMk/>
+            <pc:sldMk cId="0" sldId="256"/>
+            <ac:picMk id="8" creationId="{24DAF787-E463-01C8-EFBD-41FAA622C9FA}"/>
+          </ac:picMkLst>
+        </pc:picChg>
+        <pc:picChg chg="add del mod ord">
+          <ac:chgData name="Yevgeny Menaker" userId="cf90ab60ec4b5844" providerId="LiveId" clId="{062F9CD9-FB25-403D-9A82-D3F541407AE9}" dt="2025-08-08T15:06:20.146" v="758"/>
+          <ac:picMkLst>
+            <pc:docMk/>
+            <pc:sldMk cId="0" sldId="256"/>
+            <ac:picMk id="11" creationId="{6ECFD327-269D-4F8B-BA84-DC1677E2BF00}"/>
+          </ac:picMkLst>
+        </pc:picChg>
+        <pc:picChg chg="add del mod">
+          <ac:chgData name="Yevgeny Menaker" userId="cf90ab60ec4b5844" providerId="LiveId" clId="{062F9CD9-FB25-403D-9A82-D3F541407AE9}" dt="2025-08-08T15:06:57.194" v="760"/>
+          <ac:picMkLst>
+            <pc:docMk/>
+            <pc:sldMk cId="0" sldId="256"/>
+            <ac:picMk id="12" creationId="{EA54ADCF-4EE3-7ADA-0812-58595933BBA1}"/>
+          </ac:picMkLst>
+        </pc:picChg>
+        <pc:picChg chg="add del mod ord">
+          <ac:chgData name="Yevgeny Menaker" userId="cf90ab60ec4b5844" providerId="LiveId" clId="{062F9CD9-FB25-403D-9A82-D3F541407AE9}" dt="2025-08-08T15:07:08.247" v="761"/>
+          <ac:picMkLst>
+            <pc:docMk/>
+            <pc:sldMk cId="0" sldId="256"/>
+            <ac:picMk id="15" creationId="{3D3A9D83-1192-76D1-6138-DCE3C56986F3}"/>
+          </ac:picMkLst>
+        </pc:picChg>
+        <pc:picChg chg="add del mod">
+          <ac:chgData name="Yevgeny Menaker" userId="cf90ab60ec4b5844" providerId="LiveId" clId="{062F9CD9-FB25-403D-9A82-D3F541407AE9}" dt="2025-08-08T15:07:17.069" v="763"/>
+          <ac:picMkLst>
+            <pc:docMk/>
+            <pc:sldMk cId="0" sldId="256"/>
+            <ac:picMk id="16" creationId="{FA6B0285-699F-69A5-8183-9E3FE51FAA3E}"/>
+          </ac:picMkLst>
+        </pc:picChg>
+        <pc:picChg chg="add del mod ord">
+          <ac:chgData name="Yevgeny Menaker" userId="cf90ab60ec4b5844" providerId="LiveId" clId="{062F9CD9-FB25-403D-9A82-D3F541407AE9}" dt="2025-08-08T15:07:42.695" v="764"/>
+          <ac:picMkLst>
+            <pc:docMk/>
+            <pc:sldMk cId="0" sldId="256"/>
+            <ac:picMk id="19" creationId="{CE06DC5C-E15A-2DD4-0E9F-A1B88FB74DED}"/>
+          </ac:picMkLst>
+        </pc:picChg>
+        <pc:picChg chg="add del mod">
+          <ac:chgData name="Yevgeny Menaker" userId="cf90ab60ec4b5844" providerId="LiveId" clId="{062F9CD9-FB25-403D-9A82-D3F541407AE9}" dt="2025-08-08T15:09:00.465" v="766"/>
+          <ac:picMkLst>
+            <pc:docMk/>
+            <pc:sldMk cId="0" sldId="256"/>
+            <ac:picMk id="20" creationId="{BCC7D4C6-B9AA-4EFE-4D0B-87C981C61FB3}"/>
+          </ac:picMkLst>
+        </pc:picChg>
+        <pc:picChg chg="add del mod ord">
+          <ac:chgData name="Yevgeny Menaker" userId="cf90ab60ec4b5844" providerId="LiveId" clId="{062F9CD9-FB25-403D-9A82-D3F541407AE9}" dt="2025-08-08T15:09:33.103" v="767"/>
+          <ac:picMkLst>
+            <pc:docMk/>
+            <pc:sldMk cId="0" sldId="256"/>
+            <ac:picMk id="24" creationId="{64277174-FB91-56C5-3F47-ED6CAFD39BCB}"/>
+          </ac:picMkLst>
+        </pc:picChg>
+        <pc:picChg chg="add del mod">
+          <ac:chgData name="Yevgeny Menaker" userId="cf90ab60ec4b5844" providerId="LiveId" clId="{062F9CD9-FB25-403D-9A82-D3F541407AE9}" dt="2025-08-08T15:10:02.133" v="769"/>
+          <ac:picMkLst>
+            <pc:docMk/>
+            <pc:sldMk cId="0" sldId="256"/>
+            <ac:picMk id="25" creationId="{AEBD07A6-EA79-6563-8147-4721273E66F8}"/>
+          </ac:picMkLst>
+        </pc:picChg>
+        <pc:picChg chg="add del mod ord">
+          <ac:chgData name="Yevgeny Menaker" userId="cf90ab60ec4b5844" providerId="LiveId" clId="{062F9CD9-FB25-403D-9A82-D3F541407AE9}" dt="2025-08-08T15:10:06.777" v="770"/>
+          <ac:picMkLst>
+            <pc:docMk/>
+            <pc:sldMk cId="0" sldId="256"/>
+            <ac:picMk id="28" creationId="{D3ED512F-1C28-5AC2-F72A-87BF45241A30}"/>
+          </ac:picMkLst>
+        </pc:picChg>
+        <pc:picChg chg="add del mod">
+          <ac:chgData name="Yevgeny Menaker" userId="cf90ab60ec4b5844" providerId="LiveId" clId="{062F9CD9-FB25-403D-9A82-D3F541407AE9}" dt="2025-08-08T15:10:14.044" v="772"/>
+          <ac:picMkLst>
+            <pc:docMk/>
+            <pc:sldMk cId="0" sldId="256"/>
+            <ac:picMk id="29" creationId="{ADE6E56B-7787-B80D-F3C2-C8949B5A9456}"/>
+          </ac:picMkLst>
+        </pc:picChg>
+        <pc:picChg chg="add del mod ord">
+          <ac:chgData name="Yevgeny Menaker" userId="cf90ab60ec4b5844" providerId="LiveId" clId="{062F9CD9-FB25-403D-9A82-D3F541407AE9}" dt="2025-08-08T15:10:43.872" v="773"/>
+          <ac:picMkLst>
+            <pc:docMk/>
+            <pc:sldMk cId="0" sldId="256"/>
+            <ac:picMk id="32" creationId="{08CE51F6-48B3-73C3-F89D-7917BC67399F}"/>
+          </ac:picMkLst>
+        </pc:picChg>
+        <pc:picChg chg="add del mod">
+          <ac:chgData name="Yevgeny Menaker" userId="cf90ab60ec4b5844" providerId="LiveId" clId="{062F9CD9-FB25-403D-9A82-D3F541407AE9}" dt="2025-08-08T15:10:52.114" v="775"/>
+          <ac:picMkLst>
+            <pc:docMk/>
+            <pc:sldMk cId="0" sldId="256"/>
+            <ac:picMk id="33" creationId="{1A4F887F-1A84-9346-3ECF-ECEE2F1AADE0}"/>
+          </ac:picMkLst>
+        </pc:picChg>
+        <pc:picChg chg="add del mod ord">
+          <ac:chgData name="Yevgeny Menaker" userId="cf90ab60ec4b5844" providerId="LiveId" clId="{062F9CD9-FB25-403D-9A82-D3F541407AE9}" dt="2025-08-08T15:11:05.896" v="776"/>
+          <ac:picMkLst>
+            <pc:docMk/>
+            <pc:sldMk cId="0" sldId="256"/>
+            <ac:picMk id="36" creationId="{951B96DF-53D2-60E0-7DB1-9A3149684F55}"/>
+          </ac:picMkLst>
+        </pc:picChg>
+        <pc:picChg chg="add del mod">
+          <ac:chgData name="Yevgeny Menaker" userId="cf90ab60ec4b5844" providerId="LiveId" clId="{062F9CD9-FB25-403D-9A82-D3F541407AE9}" dt="2025-08-08T15:11:08.290" v="778"/>
+          <ac:picMkLst>
+            <pc:docMk/>
+            <pc:sldMk cId="0" sldId="256"/>
+            <ac:picMk id="37" creationId="{426A5E6F-2E13-46C3-1604-D10E4E61CE62}"/>
+          </ac:picMkLst>
+        </pc:picChg>
+        <pc:picChg chg="add del mod ord">
+          <ac:chgData name="Yevgeny Menaker" userId="cf90ab60ec4b5844" providerId="LiveId" clId="{062F9CD9-FB25-403D-9A82-D3F541407AE9}" dt="2025-08-08T15:11:17.171" v="779"/>
+          <ac:picMkLst>
+            <pc:docMk/>
+            <pc:sldMk cId="0" sldId="256"/>
+            <ac:picMk id="40" creationId="{79F339A1-2FBE-C685-4F39-5B0F54A51644}"/>
+          </ac:picMkLst>
+        </pc:picChg>
+        <pc:picChg chg="add del mod">
+          <ac:chgData name="Yevgeny Menaker" userId="cf90ab60ec4b5844" providerId="LiveId" clId="{062F9CD9-FB25-403D-9A82-D3F541407AE9}" dt="2025-08-08T15:11:20.765" v="781"/>
+          <ac:picMkLst>
+            <pc:docMk/>
+            <pc:sldMk cId="0" sldId="256"/>
+            <ac:picMk id="41" creationId="{9661039D-44E1-77BE-F461-579B241F3250}"/>
+          </ac:picMkLst>
+        </pc:picChg>
+        <pc:picChg chg="add del mod ord">
+          <ac:chgData name="Yevgeny Menaker" userId="cf90ab60ec4b5844" providerId="LiveId" clId="{062F9CD9-FB25-403D-9A82-D3F541407AE9}" dt="2025-08-08T15:11:35.914" v="782"/>
+          <ac:picMkLst>
+            <pc:docMk/>
+            <pc:sldMk cId="0" sldId="256"/>
+            <ac:picMk id="44" creationId="{FCF9E303-C134-5B5C-AADA-0F65E5A2CF15}"/>
+          </ac:picMkLst>
+        </pc:picChg>
+        <pc:picChg chg="add del mod">
+          <ac:chgData name="Yevgeny Menaker" userId="cf90ab60ec4b5844" providerId="LiveId" clId="{062F9CD9-FB25-403D-9A82-D3F541407AE9}" dt="2025-08-08T15:11:46.833" v="784"/>
+          <ac:picMkLst>
+            <pc:docMk/>
+            <pc:sldMk cId="0" sldId="256"/>
+            <ac:picMk id="45" creationId="{C6AB3CCD-382C-9FE6-ED73-DF1118B1A69E}"/>
+          </ac:picMkLst>
+        </pc:picChg>
+        <pc:picChg chg="add del mod ord">
+          <ac:chgData name="Yevgeny Menaker" userId="cf90ab60ec4b5844" providerId="LiveId" clId="{062F9CD9-FB25-403D-9A82-D3F541407AE9}" dt="2025-08-08T15:12:10.866" v="785"/>
+          <ac:picMkLst>
+            <pc:docMk/>
+            <pc:sldMk cId="0" sldId="256"/>
+            <ac:picMk id="48" creationId="{2D323FBC-DA59-656A-2446-B96FA2B32A1E}"/>
+          </ac:picMkLst>
+        </pc:picChg>
+        <pc:picChg chg="add del mod">
+          <ac:chgData name="Yevgeny Menaker" userId="cf90ab60ec4b5844" providerId="LiveId" clId="{062F9CD9-FB25-403D-9A82-D3F541407AE9}" dt="2025-08-08T15:12:36.789" v="787"/>
+          <ac:picMkLst>
+            <pc:docMk/>
+            <pc:sldMk cId="0" sldId="256"/>
+            <ac:picMk id="49" creationId="{D4154C21-F753-EF77-5D86-0F74E5D65616}"/>
+          </ac:picMkLst>
+        </pc:picChg>
+        <pc:picChg chg="add del mod ord">
+          <ac:chgData name="Yevgeny Menaker" userId="cf90ab60ec4b5844" providerId="LiveId" clId="{062F9CD9-FB25-403D-9A82-D3F541407AE9}" dt="2025-08-08T15:12:59.180" v="788"/>
+          <ac:picMkLst>
+            <pc:docMk/>
+            <pc:sldMk cId="0" sldId="256"/>
+            <ac:picMk id="52" creationId="{C14021AA-6602-8194-44FB-44410A4F2607}"/>
+          </ac:picMkLst>
+        </pc:picChg>
+        <pc:picChg chg="add del mod">
+          <ac:chgData name="Yevgeny Menaker" userId="cf90ab60ec4b5844" providerId="LiveId" clId="{062F9CD9-FB25-403D-9A82-D3F541407AE9}" dt="2025-08-08T15:13:11.849" v="790"/>
+          <ac:picMkLst>
+            <pc:docMk/>
+            <pc:sldMk cId="0" sldId="256"/>
+            <ac:picMk id="53" creationId="{BC5FA45E-3EF5-4D1C-3F32-255DDE74B883}"/>
+          </ac:picMkLst>
+        </pc:picChg>
+        <pc:picChg chg="add del mod ord">
+          <ac:chgData name="Yevgeny Menaker" userId="cf90ab60ec4b5844" providerId="LiveId" clId="{062F9CD9-FB25-403D-9A82-D3F541407AE9}" dt="2025-08-08T15:13:38.526" v="791"/>
+          <ac:picMkLst>
+            <pc:docMk/>
+            <pc:sldMk cId="0" sldId="256"/>
+            <ac:picMk id="56" creationId="{C17D34D2-45D8-0EB2-6E55-A143E5DA33F2}"/>
+          </ac:picMkLst>
+        </pc:picChg>
+        <pc:picChg chg="add del mod">
+          <ac:chgData name="Yevgeny Menaker" userId="cf90ab60ec4b5844" providerId="LiveId" clId="{062F9CD9-FB25-403D-9A82-D3F541407AE9}" dt="2025-08-08T15:13:57.079" v="793"/>
+          <ac:picMkLst>
+            <pc:docMk/>
+            <pc:sldMk cId="0" sldId="256"/>
+            <ac:picMk id="57" creationId="{08EAD0D4-10C9-A9D3-2770-6A28212F7F73}"/>
+          </ac:picMkLst>
+        </pc:picChg>
+        <pc:picChg chg="add del mod ord">
+          <ac:chgData name="Yevgeny Menaker" userId="cf90ab60ec4b5844" providerId="LiveId" clId="{062F9CD9-FB25-403D-9A82-D3F541407AE9}" dt="2025-08-08T15:14:22.608" v="794"/>
+          <ac:picMkLst>
+            <pc:docMk/>
+            <pc:sldMk cId="0" sldId="256"/>
+            <ac:picMk id="60" creationId="{376A1DD9-11B6-8AA7-5552-51DAD77A87E2}"/>
+          </ac:picMkLst>
+        </pc:picChg>
+        <pc:picChg chg="add del mod">
+          <ac:chgData name="Yevgeny Menaker" userId="cf90ab60ec4b5844" providerId="LiveId" clId="{062F9CD9-FB25-403D-9A82-D3F541407AE9}" dt="2025-08-08T16:05:19.303" v="807" actId="478"/>
+          <ac:picMkLst>
+            <pc:docMk/>
+            <pc:sldMk cId="0" sldId="256"/>
+            <ac:picMk id="61" creationId="{34D4F70F-A993-A7B8-9194-25E9C78EB2F8}"/>
+          </ac:picMkLst>
+        </pc:picChg>
+      </pc:sldChg>
+      <pc:sldChg chg="addSp delSp modSp mod delAnim modNotesTx">
+        <pc:chgData name="Yevgeny Menaker" userId="cf90ab60ec4b5844" providerId="LiveId" clId="{062F9CD9-FB25-403D-9A82-D3F541407AE9}" dt="2025-08-08T16:05:27.092" v="808" actId="478"/>
         <pc:sldMkLst>
           <pc:docMk/>
           <pc:sldMk cId="0" sldId="258"/>
@@ -821,9 +1062,17 @@
             <ac:spMk id="221" creationId="{00000000-0000-0000-0000-000000000000}"/>
           </ac:spMkLst>
         </pc:spChg>
+        <pc:picChg chg="add del mod">
+          <ac:chgData name="Yevgeny Menaker" userId="cf90ab60ec4b5844" providerId="LiveId" clId="{062F9CD9-FB25-403D-9A82-D3F541407AE9}" dt="2025-08-08T16:05:27.092" v="808" actId="478"/>
+          <ac:picMkLst>
+            <pc:docMk/>
+            <pc:sldMk cId="0" sldId="258"/>
+            <ac:picMk id="7" creationId="{0E504490-368B-F3F8-75F7-513A1F3A904E}"/>
+          </ac:picMkLst>
+        </pc:picChg>
       </pc:sldChg>
-      <pc:sldChg chg="modSp mod">
-        <pc:chgData name="Yevgeny Menaker" userId="cf90ab60ec4b5844" providerId="LiveId" clId="{062F9CD9-FB25-403D-9A82-D3F541407AE9}" dt="2025-08-08T13:17:33.424" v="419" actId="1076"/>
+      <pc:sldChg chg="addSp delSp modSp mod delAnim modNotesTx">
+        <pc:chgData name="Yevgeny Menaker" userId="cf90ab60ec4b5844" providerId="LiveId" clId="{062F9CD9-FB25-403D-9A82-D3F541407AE9}" dt="2025-08-08T16:05:32.487" v="809" actId="478"/>
         <pc:sldMkLst>
           <pc:docMk/>
           <pc:sldMk cId="0" sldId="260"/>
@@ -836,9 +1085,17 @@
             <ac:spMk id="225" creationId="{00000000-0000-0000-0000-000000000000}"/>
           </ac:spMkLst>
         </pc:spChg>
+        <pc:picChg chg="add del mod">
+          <ac:chgData name="Yevgeny Menaker" userId="cf90ab60ec4b5844" providerId="LiveId" clId="{062F9CD9-FB25-403D-9A82-D3F541407AE9}" dt="2025-08-08T16:05:32.487" v="809" actId="478"/>
+          <ac:picMkLst>
+            <pc:docMk/>
+            <pc:sldMk cId="0" sldId="260"/>
+            <ac:picMk id="9" creationId="{B43F9796-B17F-B492-D05D-9D6648BABE38}"/>
+          </ac:picMkLst>
+        </pc:picChg>
       </pc:sldChg>
-      <pc:sldChg chg="modSp mod">
-        <pc:chgData name="Yevgeny Menaker" userId="cf90ab60ec4b5844" providerId="LiveId" clId="{062F9CD9-FB25-403D-9A82-D3F541407AE9}" dt="2025-08-08T13:19:21.560" v="468" actId="1036"/>
+      <pc:sldChg chg="addSp delSp modSp mod delAnim modNotesTx">
+        <pc:chgData name="Yevgeny Menaker" userId="cf90ab60ec4b5844" providerId="LiveId" clId="{062F9CD9-FB25-403D-9A82-D3F541407AE9}" dt="2025-08-08T16:05:36.604" v="810" actId="478"/>
         <pc:sldMkLst>
           <pc:docMk/>
           <pc:sldMk cId="0" sldId="261"/>
@@ -859,9 +1116,17 @@
             <ac:spMk id="227" creationId="{00000000-0000-0000-0000-000000000000}"/>
           </ac:spMkLst>
         </pc:spChg>
+        <pc:picChg chg="add del mod">
+          <ac:chgData name="Yevgeny Menaker" userId="cf90ab60ec4b5844" providerId="LiveId" clId="{062F9CD9-FB25-403D-9A82-D3F541407AE9}" dt="2025-08-08T16:05:36.604" v="810" actId="478"/>
+          <ac:picMkLst>
+            <pc:docMk/>
+            <pc:sldMk cId="0" sldId="261"/>
+            <ac:picMk id="7" creationId="{B3A387D8-183E-C6C3-C248-F57BCD8D8219}"/>
+          </ac:picMkLst>
+        </pc:picChg>
       </pc:sldChg>
-      <pc:sldChg chg="modSp mod">
-        <pc:chgData name="Yevgeny Menaker" userId="cf90ab60ec4b5844" providerId="LiveId" clId="{062F9CD9-FB25-403D-9A82-D3F541407AE9}" dt="2025-08-08T13:35:02.384" v="716" actId="1035"/>
+      <pc:sldChg chg="addSp delSp modSp mod delAnim modNotesTx">
+        <pc:chgData name="Yevgeny Menaker" userId="cf90ab60ec4b5844" providerId="LiveId" clId="{062F9CD9-FB25-403D-9A82-D3F541407AE9}" dt="2025-08-08T16:05:41.004" v="811" actId="478"/>
         <pc:sldMkLst>
           <pc:docMk/>
           <pc:sldMk cId="0" sldId="262"/>
@@ -898,9 +1163,17 @@
             <ac:picMk id="5" creationId="{7D4FAE8F-18FD-49DB-51A6-A0ABF270FCB5}"/>
           </ac:picMkLst>
         </pc:picChg>
+        <pc:picChg chg="add del mod">
+          <ac:chgData name="Yevgeny Menaker" userId="cf90ab60ec4b5844" providerId="LiveId" clId="{062F9CD9-FB25-403D-9A82-D3F541407AE9}" dt="2025-08-08T16:05:41.004" v="811" actId="478"/>
+          <ac:picMkLst>
+            <pc:docMk/>
+            <pc:sldMk cId="0" sldId="262"/>
+            <ac:picMk id="6" creationId="{78664EE1-0300-D782-4442-1A2F0AE8CB32}"/>
+          </ac:picMkLst>
+        </pc:picChg>
       </pc:sldChg>
-      <pc:sldChg chg="modSp mod">
-        <pc:chgData name="Yevgeny Menaker" userId="cf90ab60ec4b5844" providerId="LiveId" clId="{062F9CD9-FB25-403D-9A82-D3F541407AE9}" dt="2025-08-08T13:18:13.280" v="432" actId="404"/>
+      <pc:sldChg chg="modSp mod modNotesTx">
+        <pc:chgData name="Yevgeny Menaker" userId="cf90ab60ec4b5844" providerId="LiveId" clId="{062F9CD9-FB25-403D-9A82-D3F541407AE9}" dt="2025-08-08T14:31:07.725" v="751" actId="34807"/>
         <pc:sldMkLst>
           <pc:docMk/>
           <pc:sldMk cId="0" sldId="263"/>
@@ -914,8 +1187,8 @@
           </ac:spMkLst>
         </pc:spChg>
       </pc:sldChg>
-      <pc:sldChg chg="modSp mod">
-        <pc:chgData name="Yevgeny Menaker" userId="cf90ab60ec4b5844" providerId="LiveId" clId="{062F9CD9-FB25-403D-9A82-D3F541407AE9}" dt="2025-08-08T13:26:04.134" v="691" actId="20577"/>
+      <pc:sldChg chg="addSp delSp modSp mod delAnim modNotesTx">
+        <pc:chgData name="Yevgeny Menaker" userId="cf90ab60ec4b5844" providerId="LiveId" clId="{062F9CD9-FB25-403D-9A82-D3F541407AE9}" dt="2025-08-08T16:06:05.894" v="813" actId="478"/>
         <pc:sldMkLst>
           <pc:docMk/>
           <pc:sldMk cId="0" sldId="264"/>
@@ -952,6 +1225,14 @@
             <ac:picMk id="5" creationId="{B743BD53-D8E1-8D08-DDF0-20ED909CE807}"/>
           </ac:picMkLst>
         </pc:picChg>
+        <pc:picChg chg="add del mod">
+          <ac:chgData name="Yevgeny Menaker" userId="cf90ab60ec4b5844" providerId="LiveId" clId="{062F9CD9-FB25-403D-9A82-D3F541407AE9}" dt="2025-08-08T16:06:05.894" v="813" actId="478"/>
+          <ac:picMkLst>
+            <pc:docMk/>
+            <pc:sldMk cId="0" sldId="264"/>
+            <ac:picMk id="6" creationId="{B767E737-BD26-1806-6E3D-99406868F082}"/>
+          </ac:picMkLst>
+        </pc:picChg>
         <pc:picChg chg="mod">
           <ac:chgData name="Yevgeny Menaker" userId="cf90ab60ec4b5844" providerId="LiveId" clId="{062F9CD9-FB25-403D-9A82-D3F541407AE9}" dt="2025-08-08T13:21:29.449" v="510" actId="1037"/>
           <ac:picMkLst>
@@ -969,8 +1250,8 @@
           </ac:picMkLst>
         </pc:picChg>
       </pc:sldChg>
-      <pc:sldChg chg="addSp delSp modSp mod">
-        <pc:chgData name="Yevgeny Menaker" userId="cf90ab60ec4b5844" providerId="LiveId" clId="{062F9CD9-FB25-403D-9A82-D3F541407AE9}" dt="2025-08-08T13:40:46.978" v="750" actId="20577"/>
+      <pc:sldChg chg="addSp delSp modSp mod modTransition delAnim modAnim modNotesTx">
+        <pc:chgData name="Yevgeny Menaker" userId="cf90ab60ec4b5844" providerId="LiveId" clId="{062F9CD9-FB25-403D-9A82-D3F541407AE9}" dt="2025-08-08T16:06:13.199" v="815" actId="478"/>
         <pc:sldMkLst>
           <pc:docMk/>
           <pc:sldMk cId="0" sldId="265"/>
@@ -1031,9 +1312,33 @@
             <ac:picMk id="10" creationId="{E6BD38BF-09FB-3791-2BF5-59A0C3FD70CB}"/>
           </ac:picMkLst>
         </pc:picChg>
+        <pc:picChg chg="add del mod">
+          <ac:chgData name="Yevgeny Menaker" userId="cf90ab60ec4b5844" providerId="LiveId" clId="{062F9CD9-FB25-403D-9A82-D3F541407AE9}" dt="2025-08-08T15:25:33.007" v="804"/>
+          <ac:picMkLst>
+            <pc:docMk/>
+            <pc:sldMk cId="0" sldId="265"/>
+            <ac:picMk id="13" creationId="{88BECADA-B07F-1F09-EC3A-0FC55E9219E9}"/>
+          </ac:picMkLst>
+        </pc:picChg>
+        <pc:picChg chg="add del mod ord">
+          <ac:chgData name="Yevgeny Menaker" userId="cf90ab60ec4b5844" providerId="LiveId" clId="{062F9CD9-FB25-403D-9A82-D3F541407AE9}" dt="2025-08-08T15:25:51.389" v="805"/>
+          <ac:picMkLst>
+            <pc:docMk/>
+            <pc:sldMk cId="0" sldId="265"/>
+            <ac:picMk id="16" creationId="{CAF132E2-128D-D38D-3414-23A3C3815214}"/>
+          </ac:picMkLst>
+        </pc:picChg>
+        <pc:picChg chg="add del mod">
+          <ac:chgData name="Yevgeny Menaker" userId="cf90ab60ec4b5844" providerId="LiveId" clId="{062F9CD9-FB25-403D-9A82-D3F541407AE9}" dt="2025-08-08T16:06:13.199" v="815" actId="478"/>
+          <ac:picMkLst>
+            <pc:docMk/>
+            <pc:sldMk cId="0" sldId="265"/>
+            <ac:picMk id="17" creationId="{A121F8E0-79BC-3930-463B-476B84A6BAEB}"/>
+          </ac:picMkLst>
+        </pc:picChg>
       </pc:sldChg>
-      <pc:sldChg chg="modSp mod">
-        <pc:chgData name="Yevgeny Menaker" userId="cf90ab60ec4b5844" providerId="LiveId" clId="{062F9CD9-FB25-403D-9A82-D3F541407AE9}" dt="2025-08-08T13:18:33.424" v="434" actId="14100"/>
+      <pc:sldChg chg="addSp delSp modSp mod delAnim modNotesTx">
+        <pc:chgData name="Yevgeny Menaker" userId="cf90ab60ec4b5844" providerId="LiveId" clId="{062F9CD9-FB25-403D-9A82-D3F541407AE9}" dt="2025-08-08T16:06:16.322" v="816" actId="478"/>
         <pc:sldMkLst>
           <pc:docMk/>
           <pc:sldMk cId="0" sldId="266"/>
@@ -1054,9 +1359,17 @@
             <ac:spMk id="238" creationId="{00000000-0000-0000-0000-000000000000}"/>
           </ac:spMkLst>
         </pc:spChg>
+        <pc:picChg chg="add del mod">
+          <ac:chgData name="Yevgeny Menaker" userId="cf90ab60ec4b5844" providerId="LiveId" clId="{062F9CD9-FB25-403D-9A82-D3F541407AE9}" dt="2025-08-08T16:06:16.322" v="816" actId="478"/>
+          <ac:picMkLst>
+            <pc:docMk/>
+            <pc:sldMk cId="0" sldId="266"/>
+            <ac:picMk id="4" creationId="{5CDA5E7F-BC2D-3121-4807-68994C0F6ECA}"/>
+          </ac:picMkLst>
+        </pc:picChg>
       </pc:sldChg>
-      <pc:sldChg chg="modSp mod">
-        <pc:chgData name="Yevgeny Menaker" userId="cf90ab60ec4b5844" providerId="LiveId" clId="{062F9CD9-FB25-403D-9A82-D3F541407AE9}" dt="2025-08-08T13:19:08.187" v="462" actId="1036"/>
+      <pc:sldChg chg="modSp mod modNotesTx">
+        <pc:chgData name="Yevgeny Menaker" userId="cf90ab60ec4b5844" providerId="LiveId" clId="{062F9CD9-FB25-403D-9A82-D3F541407AE9}" dt="2025-08-08T14:31:07.725" v="751" actId="34807"/>
         <pc:sldMkLst>
           <pc:docMk/>
           <pc:sldMk cId="576253988" sldId="268"/>
@@ -1078,8 +1391,8 @@
           </ac:spMkLst>
         </pc:spChg>
       </pc:sldChg>
-      <pc:sldChg chg="modSp mod">
-        <pc:chgData name="Yevgeny Menaker" userId="cf90ab60ec4b5844" providerId="LiveId" clId="{062F9CD9-FB25-403D-9A82-D3F541407AE9}" dt="2025-08-08T13:36:34.556" v="746" actId="1036"/>
+      <pc:sldChg chg="addSp delSp modSp mod delAnim modNotesTx">
+        <pc:chgData name="Yevgeny Menaker" userId="cf90ab60ec4b5844" providerId="LiveId" clId="{062F9CD9-FB25-403D-9A82-D3F541407AE9}" dt="2025-08-08T16:05:48.464" v="812" actId="478"/>
         <pc:sldMkLst>
           <pc:docMk/>
           <pc:sldMk cId="3979091466" sldId="269"/>
@@ -1124,6 +1437,14 @@
             <ac:picMk id="6" creationId="{4324D7EF-62C9-918C-387F-49D3B8B0D0BB}"/>
           </ac:picMkLst>
         </pc:picChg>
+        <pc:picChg chg="add del mod">
+          <ac:chgData name="Yevgeny Menaker" userId="cf90ab60ec4b5844" providerId="LiveId" clId="{062F9CD9-FB25-403D-9A82-D3F541407AE9}" dt="2025-08-08T16:05:48.464" v="812" actId="478"/>
+          <ac:picMkLst>
+            <pc:docMk/>
+            <pc:sldMk cId="3979091466" sldId="269"/>
+            <ac:picMk id="7" creationId="{40FA054E-3E1B-A5DD-8D96-C0487F3A4182}"/>
+          </ac:picMkLst>
+        </pc:picChg>
         <pc:picChg chg="mod">
           <ac:chgData name="Yevgeny Menaker" userId="cf90ab60ec4b5844" providerId="LiveId" clId="{062F9CD9-FB25-403D-9A82-D3F541407AE9}" dt="2025-08-08T13:35:39.612" v="734" actId="1036"/>
           <ac:picMkLst>
@@ -1133,8 +1454,8 @@
           </ac:picMkLst>
         </pc:picChg>
       </pc:sldChg>
-      <pc:sldChg chg="modSp mod">
-        <pc:chgData name="Yevgeny Menaker" userId="cf90ab60ec4b5844" providerId="LiveId" clId="{062F9CD9-FB25-403D-9A82-D3F541407AE9}" dt="2025-08-08T13:15:00.335" v="388" actId="1037"/>
+      <pc:sldChg chg="addSp delSp modSp mod delAnim modNotesTx">
+        <pc:chgData name="Yevgeny Menaker" userId="cf90ab60ec4b5844" providerId="LiveId" clId="{062F9CD9-FB25-403D-9A82-D3F541407AE9}" dt="2025-08-08T16:06:09.634" v="814" actId="478"/>
         <pc:sldMkLst>
           <pc:docMk/>
           <pc:sldMk cId="901845363" sldId="270"/>
@@ -1161,6 +1482,14 @@
             <pc:docMk/>
             <pc:sldMk cId="901845363" sldId="270"/>
             <ac:picMk id="5" creationId="{11A7C961-3EA1-1C0A-FFCA-37EB1F16E1B5}"/>
+          </ac:picMkLst>
+        </pc:picChg>
+        <pc:picChg chg="add del mod">
+          <ac:chgData name="Yevgeny Menaker" userId="cf90ab60ec4b5844" providerId="LiveId" clId="{062F9CD9-FB25-403D-9A82-D3F541407AE9}" dt="2025-08-08T16:06:09.634" v="814" actId="478"/>
+          <ac:picMkLst>
+            <pc:docMk/>
+            <pc:sldMk cId="901845363" sldId="270"/>
+            <ac:picMk id="6" creationId="{0247AA99-A7EE-F829-27CF-F2A3086689F5}"/>
           </ac:picMkLst>
         </pc:picChg>
         <pc:picChg chg="mod">
@@ -1204,8 +1533,8 @@
           </ac:picMkLst>
         </pc:picChg>
       </pc:sldChg>
-      <pc:sldChg chg="modSp new mod">
-        <pc:chgData name="Yevgeny Menaker" userId="cf90ab60ec4b5844" providerId="LiveId" clId="{062F9CD9-FB25-403D-9A82-D3F541407AE9}" dt="2025-08-08T13:40:28.873" v="749" actId="14100"/>
+      <pc:sldChg chg="modSp new mod modNotesTx">
+        <pc:chgData name="Yevgeny Menaker" userId="cf90ab60ec4b5844" providerId="LiveId" clId="{062F9CD9-FB25-403D-9A82-D3F541407AE9}" dt="2025-08-08T14:31:07.725" v="751" actId="34807"/>
         <pc:sldMkLst>
           <pc:docMk/>
           <pc:sldMk cId="2822173111" sldId="271"/>
@@ -1230,6 +1559,1864 @@
     </pc:docChg>
   </pc:docChgLst>
 </pc:chgInfo>
+</file>
+
+<file path=ppt/notesMasters/notesMaster1.xml><?xml version="1.0" encoding="utf-8"?>
+<p:notesMaster xmlns:a="http://schemas.openxmlformats.org/drawingml/2006/main" xmlns:r="http://schemas.openxmlformats.org/officeDocument/2006/relationships" xmlns:p="http://schemas.openxmlformats.org/presentationml/2006/main">
+  <p:cSld>
+    <p:bg>
+      <p:bgRef idx="1001">
+        <a:schemeClr val="bg1"/>
+      </p:bgRef>
+    </p:bg>
+    <p:spTree>
+      <p:nvGrpSpPr>
+        <p:cNvPr id="1" name=""/>
+        <p:cNvGrpSpPr/>
+        <p:nvPr/>
+      </p:nvGrpSpPr>
+      <p:grpSpPr>
+        <a:xfrm>
+          <a:off x="0" y="0"/>
+          <a:ext cx="0" cy="0"/>
+          <a:chOff x="0" y="0"/>
+          <a:chExt cx="0" cy="0"/>
+        </a:xfrm>
+      </p:grpSpPr>
+      <p:sp>
+        <p:nvSpPr>
+          <p:cNvPr id="2" name="Header Placeholder 1"/>
+          <p:cNvSpPr>
+            <a:spLocks noGrp="1"/>
+          </p:cNvSpPr>
+          <p:nvPr>
+            <p:ph type="hdr" sz="quarter"/>
+          </p:nvPr>
+        </p:nvSpPr>
+        <p:spPr>
+          <a:xfrm>
+            <a:off x="0" y="0"/>
+            <a:ext cx="3276600" cy="536575"/>
+          </a:xfrm>
+          <a:prstGeom prst="rect">
+            <a:avLst/>
+          </a:prstGeom>
+        </p:spPr>
+        <p:txBody>
+          <a:bodyPr vert="horz" lIns="91440" tIns="45720" rIns="91440" bIns="45720" rtlCol="0"/>
+          <a:lstStyle>
+            <a:lvl1pPr algn="l">
+              <a:defRPr sz="1200"/>
+            </a:lvl1pPr>
+          </a:lstStyle>
+          <a:p>
+            <a:endParaRPr lang="en-IL"/>
+          </a:p>
+        </p:txBody>
+      </p:sp>
+      <p:sp>
+        <p:nvSpPr>
+          <p:cNvPr id="3" name="Date Placeholder 2"/>
+          <p:cNvSpPr>
+            <a:spLocks noGrp="1"/>
+          </p:cNvSpPr>
+          <p:nvPr>
+            <p:ph type="dt" idx="1"/>
+          </p:nvPr>
+        </p:nvSpPr>
+        <p:spPr>
+          <a:xfrm>
+            <a:off x="4281488" y="0"/>
+            <a:ext cx="3276600" cy="536575"/>
+          </a:xfrm>
+          <a:prstGeom prst="rect">
+            <a:avLst/>
+          </a:prstGeom>
+        </p:spPr>
+        <p:txBody>
+          <a:bodyPr vert="horz" lIns="91440" tIns="45720" rIns="91440" bIns="45720" rtlCol="0"/>
+          <a:lstStyle>
+            <a:lvl1pPr algn="r">
+              <a:defRPr sz="1200"/>
+            </a:lvl1pPr>
+          </a:lstStyle>
+          <a:p>
+            <a:fld id="{4301C794-9E5D-4977-BAB6-5782CAC0C8DD}" type="datetimeFigureOut">
+              <a:rPr lang="en-IL" smtClean="0"/>
+              <a:t>08/08/2025</a:t>
+            </a:fld>
+            <a:endParaRPr lang="en-IL"/>
+          </a:p>
+        </p:txBody>
+      </p:sp>
+      <p:sp>
+        <p:nvSpPr>
+          <p:cNvPr id="4" name="Slide Image Placeholder 3"/>
+          <p:cNvSpPr>
+            <a:spLocks noGrp="1" noRot="1" noChangeAspect="1"/>
+          </p:cNvSpPr>
+          <p:nvPr>
+            <p:ph type="sldImg" idx="2"/>
+          </p:nvPr>
+        </p:nvSpPr>
+        <p:spPr>
+          <a:xfrm>
+            <a:off x="573088" y="1336675"/>
+            <a:ext cx="6413500" cy="3608388"/>
+          </a:xfrm>
+          <a:prstGeom prst="rect">
+            <a:avLst/>
+          </a:prstGeom>
+          <a:noFill/>
+          <a:ln w="12700">
+            <a:solidFill>
+              <a:prstClr val="black"/>
+            </a:solidFill>
+          </a:ln>
+        </p:spPr>
+        <p:txBody>
+          <a:bodyPr vert="horz" lIns="91440" tIns="45720" rIns="91440" bIns="45720" rtlCol="0" anchor="ctr"/>
+          <a:lstStyle/>
+          <a:p>
+            <a:endParaRPr lang="en-IL"/>
+          </a:p>
+        </p:txBody>
+      </p:sp>
+      <p:sp>
+        <p:nvSpPr>
+          <p:cNvPr id="5" name="Notes Placeholder 4"/>
+          <p:cNvSpPr>
+            <a:spLocks noGrp="1"/>
+          </p:cNvSpPr>
+          <p:nvPr>
+            <p:ph type="body" sz="quarter" idx="3"/>
+          </p:nvPr>
+        </p:nvSpPr>
+        <p:spPr>
+          <a:xfrm>
+            <a:off x="755650" y="5145088"/>
+            <a:ext cx="6048375" cy="4210050"/>
+          </a:xfrm>
+          <a:prstGeom prst="rect">
+            <a:avLst/>
+          </a:prstGeom>
+        </p:spPr>
+        <p:txBody>
+          <a:bodyPr vert="horz" lIns="91440" tIns="45720" rIns="91440" bIns="45720" rtlCol="0"/>
+          <a:lstStyle/>
+          <a:p>
+            <a:pPr lvl="0"/>
+            <a:r>
+              <a:rPr lang="en-US"/>
+              <a:t>Click to edit Master text styles</a:t>
+            </a:r>
+          </a:p>
+          <a:p>
+            <a:pPr lvl="1"/>
+            <a:r>
+              <a:rPr lang="en-US"/>
+              <a:t>Second level</a:t>
+            </a:r>
+          </a:p>
+          <a:p>
+            <a:pPr lvl="2"/>
+            <a:r>
+              <a:rPr lang="en-US"/>
+              <a:t>Third level</a:t>
+            </a:r>
+          </a:p>
+          <a:p>
+            <a:pPr lvl="3"/>
+            <a:r>
+              <a:rPr lang="en-US"/>
+              <a:t>Fourth level</a:t>
+            </a:r>
+          </a:p>
+          <a:p>
+            <a:pPr lvl="4"/>
+            <a:r>
+              <a:rPr lang="en-US"/>
+              <a:t>Fifth level</a:t>
+            </a:r>
+            <a:endParaRPr lang="en-IL"/>
+          </a:p>
+        </p:txBody>
+      </p:sp>
+      <p:sp>
+        <p:nvSpPr>
+          <p:cNvPr id="6" name="Footer Placeholder 5"/>
+          <p:cNvSpPr>
+            <a:spLocks noGrp="1"/>
+          </p:cNvSpPr>
+          <p:nvPr>
+            <p:ph type="ftr" sz="quarter" idx="4"/>
+          </p:nvPr>
+        </p:nvSpPr>
+        <p:spPr>
+          <a:xfrm>
+            <a:off x="0" y="10155238"/>
+            <a:ext cx="3276600" cy="536575"/>
+          </a:xfrm>
+          <a:prstGeom prst="rect">
+            <a:avLst/>
+          </a:prstGeom>
+        </p:spPr>
+        <p:txBody>
+          <a:bodyPr vert="horz" lIns="91440" tIns="45720" rIns="91440" bIns="45720" rtlCol="0" anchor="b"/>
+          <a:lstStyle>
+            <a:lvl1pPr algn="l">
+              <a:defRPr sz="1200"/>
+            </a:lvl1pPr>
+          </a:lstStyle>
+          <a:p>
+            <a:endParaRPr lang="en-IL"/>
+          </a:p>
+        </p:txBody>
+      </p:sp>
+      <p:sp>
+        <p:nvSpPr>
+          <p:cNvPr id="7" name="Slide Number Placeholder 6"/>
+          <p:cNvSpPr>
+            <a:spLocks noGrp="1"/>
+          </p:cNvSpPr>
+          <p:nvPr>
+            <p:ph type="sldNum" sz="quarter" idx="5"/>
+          </p:nvPr>
+        </p:nvSpPr>
+        <p:spPr>
+          <a:xfrm>
+            <a:off x="4281488" y="10155238"/>
+            <a:ext cx="3276600" cy="536575"/>
+          </a:xfrm>
+          <a:prstGeom prst="rect">
+            <a:avLst/>
+          </a:prstGeom>
+        </p:spPr>
+        <p:txBody>
+          <a:bodyPr vert="horz" lIns="91440" tIns="45720" rIns="91440" bIns="45720" rtlCol="0" anchor="b"/>
+          <a:lstStyle>
+            <a:lvl1pPr algn="r">
+              <a:defRPr sz="1200"/>
+            </a:lvl1pPr>
+          </a:lstStyle>
+          <a:p>
+            <a:fld id="{F0370C3C-80B3-426A-87E7-712BA6DA1764}" type="slidenum">
+              <a:rPr lang="en-IL" smtClean="0"/>
+              <a:t>‹#›</a:t>
+            </a:fld>
+            <a:endParaRPr lang="en-IL"/>
+          </a:p>
+        </p:txBody>
+      </p:sp>
+    </p:spTree>
+    <p:extLst>
+      <p:ext uri="{BB962C8B-B14F-4D97-AF65-F5344CB8AC3E}">
+        <p14:creationId xmlns:p14="http://schemas.microsoft.com/office/powerpoint/2010/main" val="1232189670"/>
+      </p:ext>
+    </p:extLst>
+  </p:cSld>
+  <p:clrMap bg1="lt1" tx1="dk1" bg2="lt2" tx2="dk2" accent1="accent1" accent2="accent2" accent3="accent3" accent4="accent4" accent5="accent5" accent6="accent6" hlink="hlink" folHlink="folHlink"/>
+  <p:notesStyle>
+    <a:lvl1pPr marL="0" algn="l" defTabSz="914400" rtl="0" eaLnBrk="1" latinLnBrk="0" hangingPunct="1">
+      <a:defRPr sz="1200" kern="1200">
+        <a:solidFill>
+          <a:schemeClr val="tx1"/>
+        </a:solidFill>
+        <a:latin typeface="+mn-lt"/>
+        <a:ea typeface="+mn-ea"/>
+        <a:cs typeface="+mn-cs"/>
+      </a:defRPr>
+    </a:lvl1pPr>
+    <a:lvl2pPr marL="457200" algn="l" defTabSz="914400" rtl="0" eaLnBrk="1" latinLnBrk="0" hangingPunct="1">
+      <a:defRPr sz="1200" kern="1200">
+        <a:solidFill>
+          <a:schemeClr val="tx1"/>
+        </a:solidFill>
+        <a:latin typeface="+mn-lt"/>
+        <a:ea typeface="+mn-ea"/>
+        <a:cs typeface="+mn-cs"/>
+      </a:defRPr>
+    </a:lvl2pPr>
+    <a:lvl3pPr marL="914400" algn="l" defTabSz="914400" rtl="0" eaLnBrk="1" latinLnBrk="0" hangingPunct="1">
+      <a:defRPr sz="1200" kern="1200">
+        <a:solidFill>
+          <a:schemeClr val="tx1"/>
+        </a:solidFill>
+        <a:latin typeface="+mn-lt"/>
+        <a:ea typeface="+mn-ea"/>
+        <a:cs typeface="+mn-cs"/>
+      </a:defRPr>
+    </a:lvl3pPr>
+    <a:lvl4pPr marL="1371600" algn="l" defTabSz="914400" rtl="0" eaLnBrk="1" latinLnBrk="0" hangingPunct="1">
+      <a:defRPr sz="1200" kern="1200">
+        <a:solidFill>
+          <a:schemeClr val="tx1"/>
+        </a:solidFill>
+        <a:latin typeface="+mn-lt"/>
+        <a:ea typeface="+mn-ea"/>
+        <a:cs typeface="+mn-cs"/>
+      </a:defRPr>
+    </a:lvl4pPr>
+    <a:lvl5pPr marL="1828800" algn="l" defTabSz="914400" rtl="0" eaLnBrk="1" latinLnBrk="0" hangingPunct="1">
+      <a:defRPr sz="1200" kern="1200">
+        <a:solidFill>
+          <a:schemeClr val="tx1"/>
+        </a:solidFill>
+        <a:latin typeface="+mn-lt"/>
+        <a:ea typeface="+mn-ea"/>
+        <a:cs typeface="+mn-cs"/>
+      </a:defRPr>
+    </a:lvl5pPr>
+    <a:lvl6pPr marL="2286000" algn="l" defTabSz="914400" rtl="0" eaLnBrk="1" latinLnBrk="0" hangingPunct="1">
+      <a:defRPr sz="1200" kern="1200">
+        <a:solidFill>
+          <a:schemeClr val="tx1"/>
+        </a:solidFill>
+        <a:latin typeface="+mn-lt"/>
+        <a:ea typeface="+mn-ea"/>
+        <a:cs typeface="+mn-cs"/>
+      </a:defRPr>
+    </a:lvl6pPr>
+    <a:lvl7pPr marL="2743200" algn="l" defTabSz="914400" rtl="0" eaLnBrk="1" latinLnBrk="0" hangingPunct="1">
+      <a:defRPr sz="1200" kern="1200">
+        <a:solidFill>
+          <a:schemeClr val="tx1"/>
+        </a:solidFill>
+        <a:latin typeface="+mn-lt"/>
+        <a:ea typeface="+mn-ea"/>
+        <a:cs typeface="+mn-cs"/>
+      </a:defRPr>
+    </a:lvl7pPr>
+    <a:lvl8pPr marL="3200400" algn="l" defTabSz="914400" rtl="0" eaLnBrk="1" latinLnBrk="0" hangingPunct="1">
+      <a:defRPr sz="1200" kern="1200">
+        <a:solidFill>
+          <a:schemeClr val="tx1"/>
+        </a:solidFill>
+        <a:latin typeface="+mn-lt"/>
+        <a:ea typeface="+mn-ea"/>
+        <a:cs typeface="+mn-cs"/>
+      </a:defRPr>
+    </a:lvl8pPr>
+    <a:lvl9pPr marL="3657600" algn="l" defTabSz="914400" rtl="0" eaLnBrk="1" latinLnBrk="0" hangingPunct="1">
+      <a:defRPr sz="1200" kern="1200">
+        <a:solidFill>
+          <a:schemeClr val="tx1"/>
+        </a:solidFill>
+        <a:latin typeface="+mn-lt"/>
+        <a:ea typeface="+mn-ea"/>
+        <a:cs typeface="+mn-cs"/>
+      </a:defRPr>
+    </a:lvl9pPr>
+  </p:notesStyle>
+</p:notesMaster>
+</file>
+
+<file path=ppt/notesSlides/notesSlide1.xml><?xml version="1.0" encoding="utf-8"?>
+<p:notes xmlns:a="http://schemas.openxmlformats.org/drawingml/2006/main" xmlns:r="http://schemas.openxmlformats.org/officeDocument/2006/relationships" xmlns:p="http://schemas.openxmlformats.org/presentationml/2006/main">
+  <p:cSld>
+    <p:spTree>
+      <p:nvGrpSpPr>
+        <p:cNvPr id="1" name=""/>
+        <p:cNvGrpSpPr/>
+        <p:nvPr/>
+      </p:nvGrpSpPr>
+      <p:grpSpPr>
+        <a:xfrm>
+          <a:off x="0" y="0"/>
+          <a:ext cx="0" cy="0"/>
+          <a:chOff x="0" y="0"/>
+          <a:chExt cx="0" cy="0"/>
+        </a:xfrm>
+      </p:grpSpPr>
+      <p:sp>
+        <p:nvSpPr>
+          <p:cNvPr id="2" name="Slide Image Placeholder 1"/>
+          <p:cNvSpPr>
+            <a:spLocks noGrp="1" noRot="1" noChangeAspect="1"/>
+          </p:cNvSpPr>
+          <p:nvPr>
+            <p:ph type="sldImg"/>
+          </p:nvPr>
+        </p:nvSpPr>
+        <p:spPr/>
+      </p:sp>
+      <p:sp>
+        <p:nvSpPr>
+          <p:cNvPr id="3" name="Notes Placeholder 2"/>
+          <p:cNvSpPr>
+            <a:spLocks noGrp="1"/>
+          </p:cNvSpPr>
+          <p:nvPr>
+            <p:ph type="body" idx="1"/>
+          </p:nvPr>
+        </p:nvSpPr>
+        <p:spPr/>
+        <p:txBody>
+          <a:bodyPr/>
+          <a:lstStyle/>
+          <a:p>
+            <a:pPr>
+              <a:buNone/>
+            </a:pPr>
+            <a:r>
+              <a:rPr lang="en-US"/>
+              <a:t>Generated by Copilot</a:t>
+            </a:r>
+            <a:br>
+              <a:rPr lang="en-US"/>
+            </a:br>
+            <a:br>
+              <a:rPr lang="en-US"/>
+            </a:br>
+            <a:r>
+              <a:rPr lang="en-US"/>
+              <a:t>This slide introduces the presentation on "Random Walks and Monte Carlo" as part of the WISER Quantum Projects 2025. The team Quantotto, led by Yevgeny Menaker, is responsible for this work. The minimalist design sets a professional tone, emphasizing the focus on quantum computing techniques applied to stochastic processes like random walks and Monte Carlo simulations, which are foundational in probabilistic modeling and quantum algorithm development. </a:t>
+            </a:r>
+            <a:br>
+              <a:rPr lang="en-US"/>
+            </a:br>
+            <a:r>
+              <a:rPr lang="en-US"/>
+              <a:t>______</a:t>
+            </a:r>
+          </a:p>
+          <a:p>
+            <a:pPr>
+              <a:buNone/>
+            </a:pPr>
+            <a:br>
+              <a:rPr lang="en-US"/>
+            </a:br>
+            <a:endParaRPr lang="en-IL"/>
+          </a:p>
+        </p:txBody>
+      </p:sp>
+      <p:sp>
+        <p:nvSpPr>
+          <p:cNvPr id="4" name="Slide Number Placeholder 3"/>
+          <p:cNvSpPr>
+            <a:spLocks noGrp="1"/>
+          </p:cNvSpPr>
+          <p:nvPr>
+            <p:ph type="sldNum" sz="quarter" idx="5"/>
+          </p:nvPr>
+        </p:nvSpPr>
+        <p:spPr/>
+        <p:txBody>
+          <a:bodyPr/>
+          <a:lstStyle/>
+          <a:p>
+            <a:fld id="{F0370C3C-80B3-426A-87E7-712BA6DA1764}" type="slidenum">
+              <a:rPr lang="en-IL" smtClean="0"/>
+              <a:t>1</a:t>
+            </a:fld>
+            <a:endParaRPr lang="en-IL"/>
+          </a:p>
+        </p:txBody>
+      </p:sp>
+    </p:spTree>
+    <p:extLst>
+      <p:ext uri="{BB962C8B-B14F-4D97-AF65-F5344CB8AC3E}">
+        <p14:creationId xmlns:p14="http://schemas.microsoft.com/office/powerpoint/2010/main" val="2179937138"/>
+      </p:ext>
+    </p:extLst>
+  </p:cSld>
+  <p:clrMapOvr>
+    <a:masterClrMapping/>
+  </p:clrMapOvr>
+</p:notes>
+</file>
+
+<file path=ppt/notesSlides/notesSlide10.xml><?xml version="1.0" encoding="utf-8"?>
+<p:notes xmlns:a="http://schemas.openxmlformats.org/drawingml/2006/main" xmlns:r="http://schemas.openxmlformats.org/officeDocument/2006/relationships" xmlns:p="http://schemas.openxmlformats.org/presentationml/2006/main">
+  <p:cSld>
+    <p:spTree>
+      <p:nvGrpSpPr>
+        <p:cNvPr id="1" name=""/>
+        <p:cNvGrpSpPr/>
+        <p:nvPr/>
+      </p:nvGrpSpPr>
+      <p:grpSpPr>
+        <a:xfrm>
+          <a:off x="0" y="0"/>
+          <a:ext cx="0" cy="0"/>
+          <a:chOff x="0" y="0"/>
+          <a:chExt cx="0" cy="0"/>
+        </a:xfrm>
+      </p:grpSpPr>
+      <p:sp>
+        <p:nvSpPr>
+          <p:cNvPr id="2" name="Slide Image Placeholder 1"/>
+          <p:cNvSpPr>
+            <a:spLocks noGrp="1" noRot="1" noChangeAspect="1"/>
+          </p:cNvSpPr>
+          <p:nvPr>
+            <p:ph type="sldImg"/>
+          </p:nvPr>
+        </p:nvSpPr>
+        <p:spPr/>
+      </p:sp>
+      <p:sp>
+        <p:nvSpPr>
+          <p:cNvPr id="3" name="Notes Placeholder 2"/>
+          <p:cNvSpPr>
+            <a:spLocks noGrp="1"/>
+          </p:cNvSpPr>
+          <p:nvPr>
+            <p:ph type="body" idx="1"/>
+          </p:nvPr>
+        </p:nvSpPr>
+        <p:spPr/>
+        <p:txBody>
+          <a:bodyPr/>
+          <a:lstStyle/>
+          <a:p>
+            <a:pPr>
+              <a:buNone/>
+            </a:pPr>
+            <a:r>
+              <a:rPr lang="en-US"/>
+              <a:t>Generated by Copilot</a:t>
+            </a:r>
+            <a:br>
+              <a:rPr lang="en-US"/>
+            </a:br>
+            <a:br>
+              <a:rPr lang="en-US"/>
+            </a:br>
+            <a:r>
+              <a:rPr lang="en-US"/>
+              <a:t>This slide reports on executing the quantum circuits on a real IBM Torino backend. Although the distributions deviate significantly from ideal references due to noise, the overall shapes remain recognizable, indicating meaningful quantum behavior. Attempts to reduce noise using the M3 package had limited effect, but the backend's performance is still impressive given current hardware limitations. This real-world validation highlights the progress and challenges in running complex quantum algorithms on existing quantum processors. </a:t>
+            </a:r>
+            <a:br>
+              <a:rPr lang="en-US"/>
+            </a:br>
+            <a:r>
+              <a:rPr lang="en-US"/>
+              <a:t>______</a:t>
+            </a:r>
+          </a:p>
+          <a:p>
+            <a:pPr>
+              <a:buNone/>
+            </a:pPr>
+            <a:br>
+              <a:rPr lang="en-US"/>
+            </a:br>
+            <a:endParaRPr lang="en-IL"/>
+          </a:p>
+        </p:txBody>
+      </p:sp>
+      <p:sp>
+        <p:nvSpPr>
+          <p:cNvPr id="4" name="Slide Number Placeholder 3"/>
+          <p:cNvSpPr>
+            <a:spLocks noGrp="1"/>
+          </p:cNvSpPr>
+          <p:nvPr>
+            <p:ph type="sldNum" sz="quarter" idx="5"/>
+          </p:nvPr>
+        </p:nvSpPr>
+        <p:spPr/>
+        <p:txBody>
+          <a:bodyPr/>
+          <a:lstStyle/>
+          <a:p>
+            <a:fld id="{F0370C3C-80B3-426A-87E7-712BA6DA1764}" type="slidenum">
+              <a:rPr lang="en-IL" smtClean="0"/>
+              <a:t>10</a:t>
+            </a:fld>
+            <a:endParaRPr lang="en-IL"/>
+          </a:p>
+        </p:txBody>
+      </p:sp>
+    </p:spTree>
+    <p:extLst>
+      <p:ext uri="{BB962C8B-B14F-4D97-AF65-F5344CB8AC3E}">
+        <p14:creationId xmlns:p14="http://schemas.microsoft.com/office/powerpoint/2010/main" val="768653078"/>
+      </p:ext>
+    </p:extLst>
+  </p:cSld>
+  <p:clrMapOvr>
+    <a:masterClrMapping/>
+  </p:clrMapOvr>
+</p:notes>
+</file>
+
+<file path=ppt/notesSlides/notesSlide11.xml><?xml version="1.0" encoding="utf-8"?>
+<p:notes xmlns:a="http://schemas.openxmlformats.org/drawingml/2006/main" xmlns:r="http://schemas.openxmlformats.org/officeDocument/2006/relationships" xmlns:p="http://schemas.openxmlformats.org/presentationml/2006/main">
+  <p:cSld>
+    <p:spTree>
+      <p:nvGrpSpPr>
+        <p:cNvPr id="1" name=""/>
+        <p:cNvGrpSpPr/>
+        <p:nvPr/>
+      </p:nvGrpSpPr>
+      <p:grpSpPr>
+        <a:xfrm>
+          <a:off x="0" y="0"/>
+          <a:ext cx="0" cy="0"/>
+          <a:chOff x="0" y="0"/>
+          <a:chExt cx="0" cy="0"/>
+        </a:xfrm>
+      </p:grpSpPr>
+      <p:sp>
+        <p:nvSpPr>
+          <p:cNvPr id="2" name="Slide Image Placeholder 1"/>
+          <p:cNvSpPr>
+            <a:spLocks noGrp="1" noRot="1" noChangeAspect="1"/>
+          </p:cNvSpPr>
+          <p:nvPr>
+            <p:ph type="sldImg"/>
+          </p:nvPr>
+        </p:nvSpPr>
+        <p:spPr/>
+      </p:sp>
+      <p:sp>
+        <p:nvSpPr>
+          <p:cNvPr id="3" name="Notes Placeholder 2"/>
+          <p:cNvSpPr>
+            <a:spLocks noGrp="1"/>
+          </p:cNvSpPr>
+          <p:nvPr>
+            <p:ph type="body" idx="1"/>
+          </p:nvPr>
+        </p:nvSpPr>
+        <p:spPr/>
+        <p:txBody>
+          <a:bodyPr/>
+          <a:lstStyle/>
+          <a:p>
+            <a:pPr>
+              <a:buNone/>
+            </a:pPr>
+            <a:r>
+              <a:rPr lang="en-US" dirty="0"/>
+              <a:t>Generated by Copilot</a:t>
+            </a:r>
+            <a:br>
+              <a:rPr lang="en-US" dirty="0"/>
+            </a:br>
+            <a:br>
+              <a:rPr lang="en-US" dirty="0"/>
+            </a:br>
+            <a:r>
+              <a:rPr lang="en-US" dirty="0"/>
+              <a:t>The circuit depth study compares optimized and non-optimized quantum circuits. Optimized circuits maintain a constant depth-to-levels ratio, resulting in a linear increase in depth as levels grow. In contrast, non-optimized circuits exhibit a linearly increasing ratio, leading to quadratic growth in depth. These findings emphasize the importance of circuit optimization to manage resource demands and improve scalability, which is critical for practical quantum computing applications involving complex distributions. </a:t>
+            </a:r>
+            <a:br>
+              <a:rPr lang="en-US" dirty="0"/>
+            </a:br>
+            <a:r>
+              <a:rPr lang="en-US" dirty="0"/>
+              <a:t>______</a:t>
+            </a:r>
+          </a:p>
+          <a:p>
+            <a:pPr>
+              <a:buNone/>
+            </a:pPr>
+            <a:br>
+              <a:rPr lang="en-US" dirty="0"/>
+            </a:br>
+            <a:endParaRPr lang="en-IL" dirty="0"/>
+          </a:p>
+        </p:txBody>
+      </p:sp>
+      <p:sp>
+        <p:nvSpPr>
+          <p:cNvPr id="4" name="Slide Number Placeholder 3"/>
+          <p:cNvSpPr>
+            <a:spLocks noGrp="1"/>
+          </p:cNvSpPr>
+          <p:nvPr>
+            <p:ph type="sldNum" sz="quarter" idx="5"/>
+          </p:nvPr>
+        </p:nvSpPr>
+        <p:spPr/>
+        <p:txBody>
+          <a:bodyPr/>
+          <a:lstStyle/>
+          <a:p>
+            <a:fld id="{F0370C3C-80B3-426A-87E7-712BA6DA1764}" type="slidenum">
+              <a:rPr lang="en-IL" smtClean="0"/>
+              <a:t>11</a:t>
+            </a:fld>
+            <a:endParaRPr lang="en-IL"/>
+          </a:p>
+        </p:txBody>
+      </p:sp>
+    </p:spTree>
+    <p:extLst>
+      <p:ext uri="{BB962C8B-B14F-4D97-AF65-F5344CB8AC3E}">
+        <p14:creationId xmlns:p14="http://schemas.microsoft.com/office/powerpoint/2010/main" val="779680001"/>
+      </p:ext>
+    </p:extLst>
+  </p:cSld>
+  <p:clrMapOvr>
+    <a:masterClrMapping/>
+  </p:clrMapOvr>
+</p:notes>
+</file>
+
+<file path=ppt/notesSlides/notesSlide12.xml><?xml version="1.0" encoding="utf-8"?>
+<p:notes xmlns:a="http://schemas.openxmlformats.org/drawingml/2006/main" xmlns:r="http://schemas.openxmlformats.org/officeDocument/2006/relationships" xmlns:p="http://schemas.openxmlformats.org/presentationml/2006/main">
+  <p:cSld>
+    <p:spTree>
+      <p:nvGrpSpPr>
+        <p:cNvPr id="1" name=""/>
+        <p:cNvGrpSpPr/>
+        <p:nvPr/>
+      </p:nvGrpSpPr>
+      <p:grpSpPr>
+        <a:xfrm>
+          <a:off x="0" y="0"/>
+          <a:ext cx="0" cy="0"/>
+          <a:chOff x="0" y="0"/>
+          <a:chExt cx="0" cy="0"/>
+        </a:xfrm>
+      </p:grpSpPr>
+      <p:sp>
+        <p:nvSpPr>
+          <p:cNvPr id="2" name="Slide Image Placeholder 1"/>
+          <p:cNvSpPr>
+            <a:spLocks noGrp="1" noRot="1" noChangeAspect="1"/>
+          </p:cNvSpPr>
+          <p:nvPr>
+            <p:ph type="sldImg"/>
+          </p:nvPr>
+        </p:nvSpPr>
+        <p:spPr/>
+      </p:sp>
+      <p:sp>
+        <p:nvSpPr>
+          <p:cNvPr id="3" name="Notes Placeholder 2"/>
+          <p:cNvSpPr>
+            <a:spLocks noGrp="1"/>
+          </p:cNvSpPr>
+          <p:nvPr>
+            <p:ph type="body" idx="1"/>
+          </p:nvPr>
+        </p:nvSpPr>
+        <p:spPr/>
+        <p:txBody>
+          <a:bodyPr/>
+          <a:lstStyle/>
+          <a:p>
+            <a:pPr>
+              <a:buNone/>
+            </a:pPr>
+            <a:r>
+              <a:rPr lang="en-US"/>
+              <a:t>Generated by Copilot</a:t>
+            </a:r>
+            <a:br>
+              <a:rPr lang="en-US"/>
+            </a:br>
+            <a:br>
+              <a:rPr lang="en-US"/>
+            </a:br>
+            <a:r>
+              <a:rPr lang="en-US"/>
+              <a:t>In conclusion, the project successfully demonstrated a universal distribution simulator using a superposition of Hamming Weight 1 states. The qubit count was reduced from 2n+2 to n+3, and circuit depth improved from quadratic to linear scaling, enhancing both resource efficiency and noise resilience. The mean squared error remained low across most levels, indicating high accuracy. Execution on real NISQ devices yielded promising results, supporting an optimistic outlook for practical quantum distribution simulations in the near future. </a:t>
+            </a:r>
+            <a:br>
+              <a:rPr lang="en-US"/>
+            </a:br>
+            <a:r>
+              <a:rPr lang="en-US"/>
+              <a:t>______</a:t>
+            </a:r>
+          </a:p>
+          <a:p>
+            <a:pPr>
+              <a:buNone/>
+            </a:pPr>
+            <a:br>
+              <a:rPr lang="en-US"/>
+            </a:br>
+            <a:endParaRPr lang="en-IL"/>
+          </a:p>
+        </p:txBody>
+      </p:sp>
+      <p:sp>
+        <p:nvSpPr>
+          <p:cNvPr id="4" name="Slide Number Placeholder 3"/>
+          <p:cNvSpPr>
+            <a:spLocks noGrp="1"/>
+          </p:cNvSpPr>
+          <p:nvPr>
+            <p:ph type="sldNum" sz="quarter" idx="5"/>
+          </p:nvPr>
+        </p:nvSpPr>
+        <p:spPr/>
+        <p:txBody>
+          <a:bodyPr/>
+          <a:lstStyle/>
+          <a:p>
+            <a:fld id="{F0370C3C-80B3-426A-87E7-712BA6DA1764}" type="slidenum">
+              <a:rPr lang="en-IL" smtClean="0"/>
+              <a:t>12</a:t>
+            </a:fld>
+            <a:endParaRPr lang="en-IL"/>
+          </a:p>
+        </p:txBody>
+      </p:sp>
+    </p:spTree>
+    <p:extLst>
+      <p:ext uri="{BB962C8B-B14F-4D97-AF65-F5344CB8AC3E}">
+        <p14:creationId xmlns:p14="http://schemas.microsoft.com/office/powerpoint/2010/main" val="496534941"/>
+      </p:ext>
+    </p:extLst>
+  </p:cSld>
+  <p:clrMapOvr>
+    <a:masterClrMapping/>
+  </p:clrMapOvr>
+</p:notes>
+</file>
+
+<file path=ppt/notesSlides/notesSlide13.xml><?xml version="1.0" encoding="utf-8"?>
+<p:notes xmlns:a="http://schemas.openxmlformats.org/drawingml/2006/main" xmlns:r="http://schemas.openxmlformats.org/officeDocument/2006/relationships" xmlns:p="http://schemas.openxmlformats.org/presentationml/2006/main">
+  <p:cSld>
+    <p:spTree>
+      <p:nvGrpSpPr>
+        <p:cNvPr id="1" name=""/>
+        <p:cNvGrpSpPr/>
+        <p:nvPr/>
+      </p:nvGrpSpPr>
+      <p:grpSpPr>
+        <a:xfrm>
+          <a:off x="0" y="0"/>
+          <a:ext cx="0" cy="0"/>
+          <a:chOff x="0" y="0"/>
+          <a:chExt cx="0" cy="0"/>
+        </a:xfrm>
+      </p:grpSpPr>
+      <p:sp>
+        <p:nvSpPr>
+          <p:cNvPr id="2" name="Slide Image Placeholder 1"/>
+          <p:cNvSpPr>
+            <a:spLocks noGrp="1" noRot="1" noChangeAspect="1"/>
+          </p:cNvSpPr>
+          <p:nvPr>
+            <p:ph type="sldImg"/>
+          </p:nvPr>
+        </p:nvSpPr>
+        <p:spPr/>
+      </p:sp>
+      <p:sp>
+        <p:nvSpPr>
+          <p:cNvPr id="3" name="Notes Placeholder 2"/>
+          <p:cNvSpPr>
+            <a:spLocks noGrp="1"/>
+          </p:cNvSpPr>
+          <p:nvPr>
+            <p:ph type="body" idx="1"/>
+          </p:nvPr>
+        </p:nvSpPr>
+        <p:spPr/>
+        <p:txBody>
+          <a:bodyPr/>
+          <a:lstStyle/>
+          <a:p>
+            <a:pPr>
+              <a:buNone/>
+            </a:pPr>
+            <a:r>
+              <a:rPr lang="en-US"/>
+              <a:t>Generated by Copilot</a:t>
+            </a:r>
+            <a:br>
+              <a:rPr lang="en-US"/>
+            </a:br>
+            <a:br>
+              <a:rPr lang="en-US"/>
+            </a:br>
+            <a:r>
+              <a:rPr lang="en-US"/>
+              <a:t>This slide lists key academic references that underpin the research presented. These include foundational papers on the Universal Statistical Simulator, introductory overviews of quantum random walks, and advanced techniques for mitigating measurement errors on quantum computers. These sources provide theoretical and practical context, supporting the methodologies and findings discussed throughout the presentation. </a:t>
+            </a:r>
+            <a:br>
+              <a:rPr lang="en-US"/>
+            </a:br>
+            <a:r>
+              <a:rPr lang="en-US"/>
+              <a:t>______</a:t>
+            </a:r>
+          </a:p>
+          <a:p>
+            <a:pPr>
+              <a:buNone/>
+            </a:pPr>
+            <a:br>
+              <a:rPr lang="en-US"/>
+            </a:br>
+            <a:endParaRPr lang="en-IL"/>
+          </a:p>
+        </p:txBody>
+      </p:sp>
+      <p:sp>
+        <p:nvSpPr>
+          <p:cNvPr id="4" name="Slide Number Placeholder 3"/>
+          <p:cNvSpPr>
+            <a:spLocks noGrp="1"/>
+          </p:cNvSpPr>
+          <p:nvPr>
+            <p:ph type="sldNum" sz="quarter" idx="5"/>
+          </p:nvPr>
+        </p:nvSpPr>
+        <p:spPr/>
+        <p:txBody>
+          <a:bodyPr/>
+          <a:lstStyle/>
+          <a:p>
+            <a:fld id="{F0370C3C-80B3-426A-87E7-712BA6DA1764}" type="slidenum">
+              <a:rPr lang="en-IL" smtClean="0"/>
+              <a:t>13</a:t>
+            </a:fld>
+            <a:endParaRPr lang="en-IL"/>
+          </a:p>
+        </p:txBody>
+      </p:sp>
+    </p:spTree>
+    <p:extLst>
+      <p:ext uri="{BB962C8B-B14F-4D97-AF65-F5344CB8AC3E}">
+        <p14:creationId xmlns:p14="http://schemas.microsoft.com/office/powerpoint/2010/main" val="2264861206"/>
+      </p:ext>
+    </p:extLst>
+  </p:cSld>
+  <p:clrMapOvr>
+    <a:masterClrMapping/>
+  </p:clrMapOvr>
+</p:notes>
+</file>
+
+<file path=ppt/notesSlides/notesSlide2.xml><?xml version="1.0" encoding="utf-8"?>
+<p:notes xmlns:a="http://schemas.openxmlformats.org/drawingml/2006/main" xmlns:r="http://schemas.openxmlformats.org/officeDocument/2006/relationships" xmlns:p="http://schemas.openxmlformats.org/presentationml/2006/main">
+  <p:cSld>
+    <p:spTree>
+      <p:nvGrpSpPr>
+        <p:cNvPr id="1" name=""/>
+        <p:cNvGrpSpPr/>
+        <p:nvPr/>
+      </p:nvGrpSpPr>
+      <p:grpSpPr>
+        <a:xfrm>
+          <a:off x="0" y="0"/>
+          <a:ext cx="0" cy="0"/>
+          <a:chOff x="0" y="0"/>
+          <a:chExt cx="0" cy="0"/>
+        </a:xfrm>
+      </p:grpSpPr>
+      <p:sp>
+        <p:nvSpPr>
+          <p:cNvPr id="2" name="Slide Image Placeholder 1"/>
+          <p:cNvSpPr>
+            <a:spLocks noGrp="1" noRot="1" noChangeAspect="1"/>
+          </p:cNvSpPr>
+          <p:nvPr>
+            <p:ph type="sldImg"/>
+          </p:nvPr>
+        </p:nvSpPr>
+        <p:spPr/>
+      </p:sp>
+      <p:sp>
+        <p:nvSpPr>
+          <p:cNvPr id="3" name="Notes Placeholder 2"/>
+          <p:cNvSpPr>
+            <a:spLocks noGrp="1"/>
+          </p:cNvSpPr>
+          <p:nvPr>
+            <p:ph type="body" idx="1"/>
+          </p:nvPr>
+        </p:nvSpPr>
+        <p:spPr/>
+        <p:txBody>
+          <a:bodyPr/>
+          <a:lstStyle/>
+          <a:p>
+            <a:pPr>
+              <a:buNone/>
+            </a:pPr>
+            <a:r>
+              <a:rPr lang="en-US"/>
+              <a:t>Generated by Copilot</a:t>
+            </a:r>
+            <a:br>
+              <a:rPr lang="en-US"/>
+            </a:br>
+            <a:br>
+              <a:rPr lang="en-US"/>
+            </a:br>
+            <a:r>
+              <a:rPr lang="en-US"/>
+              <a:t>Here we outline the core objectives of the project. The first goal is to build a quantum analogue of the n-level Galton Board to demonstrate symmetric Gaussian distributions. Next, we apply the Universal Statistical Simulator method to prepare quantum states representing various distributions. By adjusting quantum pegs and coin parameters, we aim to generate diverse distributions such as Exponential and Hadamard Random Walks. We also focus on noise-resilient optimization to ensure reliable results on noisy quantum simulators, specifically using the IBM ibm_torino noise model. Performance analysis will assess circuit accuracy and depth, and finally, we plan to run these circuits on real quantum processing units (QPUs) to validate our approach. </a:t>
+            </a:r>
+            <a:br>
+              <a:rPr lang="en-US"/>
+            </a:br>
+            <a:r>
+              <a:rPr lang="en-US"/>
+              <a:t>______</a:t>
+            </a:r>
+          </a:p>
+          <a:p>
+            <a:pPr>
+              <a:buNone/>
+            </a:pPr>
+            <a:br>
+              <a:rPr lang="en-US"/>
+            </a:br>
+            <a:endParaRPr lang="en-IL"/>
+          </a:p>
+        </p:txBody>
+      </p:sp>
+      <p:sp>
+        <p:nvSpPr>
+          <p:cNvPr id="4" name="Slide Number Placeholder 3"/>
+          <p:cNvSpPr>
+            <a:spLocks noGrp="1"/>
+          </p:cNvSpPr>
+          <p:nvPr>
+            <p:ph type="sldNum" sz="quarter" idx="5"/>
+          </p:nvPr>
+        </p:nvSpPr>
+        <p:spPr/>
+        <p:txBody>
+          <a:bodyPr/>
+          <a:lstStyle/>
+          <a:p>
+            <a:fld id="{F0370C3C-80B3-426A-87E7-712BA6DA1764}" type="slidenum">
+              <a:rPr lang="en-IL" smtClean="0"/>
+              <a:t>2</a:t>
+            </a:fld>
+            <a:endParaRPr lang="en-IL"/>
+          </a:p>
+        </p:txBody>
+      </p:sp>
+    </p:spTree>
+    <p:extLst>
+      <p:ext uri="{BB962C8B-B14F-4D97-AF65-F5344CB8AC3E}">
+        <p14:creationId xmlns:p14="http://schemas.microsoft.com/office/powerpoint/2010/main" val="3375184617"/>
+      </p:ext>
+    </p:extLst>
+  </p:cSld>
+  <p:clrMapOvr>
+    <a:masterClrMapping/>
+  </p:clrMapOvr>
+</p:notes>
+</file>
+
+<file path=ppt/notesSlides/notesSlide3.xml><?xml version="1.0" encoding="utf-8"?>
+<p:notes xmlns:a="http://schemas.openxmlformats.org/drawingml/2006/main" xmlns:r="http://schemas.openxmlformats.org/officeDocument/2006/relationships" xmlns:p="http://schemas.openxmlformats.org/presentationml/2006/main">
+  <p:cSld>
+    <p:spTree>
+      <p:nvGrpSpPr>
+        <p:cNvPr id="1" name=""/>
+        <p:cNvGrpSpPr/>
+        <p:nvPr/>
+      </p:nvGrpSpPr>
+      <p:grpSpPr>
+        <a:xfrm>
+          <a:off x="0" y="0"/>
+          <a:ext cx="0" cy="0"/>
+          <a:chOff x="0" y="0"/>
+          <a:chExt cx="0" cy="0"/>
+        </a:xfrm>
+      </p:grpSpPr>
+      <p:sp>
+        <p:nvSpPr>
+          <p:cNvPr id="2" name="Slide Image Placeholder 1"/>
+          <p:cNvSpPr>
+            <a:spLocks noGrp="1" noRot="1" noChangeAspect="1"/>
+          </p:cNvSpPr>
+          <p:nvPr>
+            <p:ph type="sldImg"/>
+          </p:nvPr>
+        </p:nvSpPr>
+        <p:spPr/>
+      </p:sp>
+      <p:sp>
+        <p:nvSpPr>
+          <p:cNvPr id="3" name="Notes Placeholder 2"/>
+          <p:cNvSpPr>
+            <a:spLocks noGrp="1"/>
+          </p:cNvSpPr>
+          <p:nvPr>
+            <p:ph type="body" idx="1"/>
+          </p:nvPr>
+        </p:nvSpPr>
+        <p:spPr/>
+        <p:txBody>
+          <a:bodyPr/>
+          <a:lstStyle/>
+          <a:p>
+            <a:pPr>
+              <a:buNone/>
+            </a:pPr>
+            <a:r>
+              <a:rPr lang="en-US"/>
+              <a:t>Generated by Copilot</a:t>
+            </a:r>
+            <a:br>
+              <a:rPr lang="en-US"/>
+            </a:br>
+            <a:br>
+              <a:rPr lang="en-US"/>
+            </a:br>
+            <a:r>
+              <a:rPr lang="en-US"/>
+              <a:t>This slide explains the Galton Board as a decision Directed Acyclic Graph (DAG). When the probability p equals 1/2, the tally bins produce a symmetric normal distribution, reflecting the classic binomial outcome. Adjusting the probability p skews the distribution left or right, allowing us to model asymmetric outcomes. The visual diagram helps illustrate how each decision node in the DAG corresponds to a quantum operation, linking classical probability concepts with quantum circuit design. </a:t>
+            </a:r>
+            <a:br>
+              <a:rPr lang="en-US"/>
+            </a:br>
+            <a:r>
+              <a:rPr lang="en-US"/>
+              <a:t>______</a:t>
+            </a:r>
+          </a:p>
+          <a:p>
+            <a:pPr>
+              <a:buNone/>
+            </a:pPr>
+            <a:br>
+              <a:rPr lang="en-US"/>
+            </a:br>
+            <a:endParaRPr lang="en-IL"/>
+          </a:p>
+        </p:txBody>
+      </p:sp>
+      <p:sp>
+        <p:nvSpPr>
+          <p:cNvPr id="4" name="Slide Number Placeholder 3"/>
+          <p:cNvSpPr>
+            <a:spLocks noGrp="1"/>
+          </p:cNvSpPr>
+          <p:nvPr>
+            <p:ph type="sldNum" sz="quarter" idx="5"/>
+          </p:nvPr>
+        </p:nvSpPr>
+        <p:spPr/>
+        <p:txBody>
+          <a:bodyPr/>
+          <a:lstStyle/>
+          <a:p>
+            <a:fld id="{F0370C3C-80B3-426A-87E7-712BA6DA1764}" type="slidenum">
+              <a:rPr lang="en-IL" smtClean="0"/>
+              <a:t>3</a:t>
+            </a:fld>
+            <a:endParaRPr lang="en-IL"/>
+          </a:p>
+        </p:txBody>
+      </p:sp>
+    </p:spTree>
+    <p:extLst>
+      <p:ext uri="{BB962C8B-B14F-4D97-AF65-F5344CB8AC3E}">
+        <p14:creationId xmlns:p14="http://schemas.microsoft.com/office/powerpoint/2010/main" val="1527352684"/>
+      </p:ext>
+    </p:extLst>
+  </p:cSld>
+  <p:clrMapOvr>
+    <a:masterClrMapping/>
+  </p:clrMapOvr>
+</p:notes>
+</file>
+
+<file path=ppt/notesSlides/notesSlide4.xml><?xml version="1.0" encoding="utf-8"?>
+<p:notes xmlns:a="http://schemas.openxmlformats.org/drawingml/2006/main" xmlns:r="http://schemas.openxmlformats.org/officeDocument/2006/relationships" xmlns:p="http://schemas.openxmlformats.org/presentationml/2006/main">
+  <p:cSld>
+    <p:spTree>
+      <p:nvGrpSpPr>
+        <p:cNvPr id="1" name=""/>
+        <p:cNvGrpSpPr/>
+        <p:nvPr/>
+      </p:nvGrpSpPr>
+      <p:grpSpPr>
+        <a:xfrm>
+          <a:off x="0" y="0"/>
+          <a:ext cx="0" cy="0"/>
+          <a:chOff x="0" y="0"/>
+          <a:chExt cx="0" cy="0"/>
+        </a:xfrm>
+      </p:grpSpPr>
+      <p:sp>
+        <p:nvSpPr>
+          <p:cNvPr id="2" name="Slide Image Placeholder 1"/>
+          <p:cNvSpPr>
+            <a:spLocks noGrp="1" noRot="1" noChangeAspect="1"/>
+          </p:cNvSpPr>
+          <p:nvPr>
+            <p:ph type="sldImg"/>
+          </p:nvPr>
+        </p:nvSpPr>
+        <p:spPr/>
+      </p:sp>
+      <p:sp>
+        <p:nvSpPr>
+          <p:cNvPr id="3" name="Notes Placeholder 2"/>
+          <p:cNvSpPr>
+            <a:spLocks noGrp="1"/>
+          </p:cNvSpPr>
+          <p:nvPr>
+            <p:ph type="body" idx="1"/>
+          </p:nvPr>
+        </p:nvSpPr>
+        <p:spPr/>
+        <p:txBody>
+          <a:bodyPr/>
+          <a:lstStyle/>
+          <a:p>
+            <a:pPr>
+              <a:buNone/>
+            </a:pPr>
+            <a:r>
+              <a:rPr lang="en-US"/>
+              <a:t>Generated by Copilot</a:t>
+            </a:r>
+            <a:br>
+              <a:rPr lang="en-US"/>
+            </a:br>
+            <a:br>
+              <a:rPr lang="en-US"/>
+            </a:br>
+            <a:r>
+              <a:rPr lang="en-US"/>
+              <a:t>We delve into the quantum circuit implementation of an n-level Galton Board. The number of qubits required scales as 2n plus 2, and the circuit depth grows quadratically with n, specifically as 2(n² + n). The diagram for n=3 visually represents the circuit structure and particle distribution. The histogram on the right confirms that the quantum Galton Board closely replicates the expected normal distribution for 12 levels, demonstrating the circuit's effectiveness in simulating classical probabilistic behavior within a quantum framework. </a:t>
+            </a:r>
+            <a:br>
+              <a:rPr lang="en-US"/>
+            </a:br>
+            <a:r>
+              <a:rPr lang="en-US"/>
+              <a:t>______</a:t>
+            </a:r>
+          </a:p>
+          <a:p>
+            <a:pPr>
+              <a:buNone/>
+            </a:pPr>
+            <a:br>
+              <a:rPr lang="en-US"/>
+            </a:br>
+            <a:endParaRPr lang="en-IL"/>
+          </a:p>
+        </p:txBody>
+      </p:sp>
+      <p:sp>
+        <p:nvSpPr>
+          <p:cNvPr id="4" name="Slide Number Placeholder 3"/>
+          <p:cNvSpPr>
+            <a:spLocks noGrp="1"/>
+          </p:cNvSpPr>
+          <p:nvPr>
+            <p:ph type="sldNum" sz="quarter" idx="5"/>
+          </p:nvPr>
+        </p:nvSpPr>
+        <p:spPr/>
+        <p:txBody>
+          <a:bodyPr/>
+          <a:lstStyle/>
+          <a:p>
+            <a:fld id="{F0370C3C-80B3-426A-87E7-712BA6DA1764}" type="slidenum">
+              <a:rPr lang="en-IL" smtClean="0"/>
+              <a:t>4</a:t>
+            </a:fld>
+            <a:endParaRPr lang="en-IL"/>
+          </a:p>
+        </p:txBody>
+      </p:sp>
+    </p:spTree>
+    <p:extLst>
+      <p:ext uri="{BB962C8B-B14F-4D97-AF65-F5344CB8AC3E}">
+        <p14:creationId xmlns:p14="http://schemas.microsoft.com/office/powerpoint/2010/main" val="1615137063"/>
+      </p:ext>
+    </p:extLst>
+  </p:cSld>
+  <p:clrMapOvr>
+    <a:masterClrMapping/>
+  </p:clrMapOvr>
+</p:notes>
+</file>
+
+<file path=ppt/notesSlides/notesSlide5.xml><?xml version="1.0" encoding="utf-8"?>
+<p:notes xmlns:a="http://schemas.openxmlformats.org/drawingml/2006/main" xmlns:r="http://schemas.openxmlformats.org/officeDocument/2006/relationships" xmlns:p="http://schemas.openxmlformats.org/presentationml/2006/main">
+  <p:cSld>
+    <p:spTree>
+      <p:nvGrpSpPr>
+        <p:cNvPr id="1" name=""/>
+        <p:cNvGrpSpPr/>
+        <p:nvPr/>
+      </p:nvGrpSpPr>
+      <p:grpSpPr>
+        <a:xfrm>
+          <a:off x="0" y="0"/>
+          <a:ext cx="0" cy="0"/>
+          <a:chOff x="0" y="0"/>
+          <a:chExt cx="0" cy="0"/>
+        </a:xfrm>
+      </p:grpSpPr>
+      <p:sp>
+        <p:nvSpPr>
+          <p:cNvPr id="2" name="Slide Image Placeholder 1"/>
+          <p:cNvSpPr>
+            <a:spLocks noGrp="1" noRot="1" noChangeAspect="1"/>
+          </p:cNvSpPr>
+          <p:nvPr>
+            <p:ph type="sldImg"/>
+          </p:nvPr>
+        </p:nvSpPr>
+        <p:spPr/>
+      </p:sp>
+      <p:sp>
+        <p:nvSpPr>
+          <p:cNvPr id="3" name="Notes Placeholder 2"/>
+          <p:cNvSpPr>
+            <a:spLocks noGrp="1"/>
+          </p:cNvSpPr>
+          <p:nvPr>
+            <p:ph type="body" idx="1"/>
+          </p:nvPr>
+        </p:nvSpPr>
+        <p:spPr/>
+        <p:txBody>
+          <a:bodyPr/>
+          <a:lstStyle/>
+          <a:p>
+            <a:pPr>
+              <a:buNone/>
+            </a:pPr>
+            <a:r>
+              <a:rPr lang="en-US"/>
+              <a:t>Generated by Copilot</a:t>
+            </a:r>
+            <a:br>
+              <a:rPr lang="en-US"/>
+            </a:br>
+            <a:br>
+              <a:rPr lang="en-US"/>
+            </a:br>
+            <a:r>
+              <a:rPr lang="en-US"/>
+              <a:t>To achieve an exponential distribution, we adjust the probabilities at each level by biasing the quantum coin. This is done by applying controlled RY rotations to the coin qubit, effectively rotating it by a specific angle to favor one outcome. The figure illustrates assigning probabilities only to the rightmost quantum peg, which simplifies the control mechanism. This approach allows us to tailor the quantum walk to produce non-symmetric distributions, expanding the versatility of the quantum Galton Board beyond the symmetric Gaussian case. </a:t>
+            </a:r>
+            <a:br>
+              <a:rPr lang="en-US"/>
+            </a:br>
+            <a:r>
+              <a:rPr lang="en-US"/>
+              <a:t>______</a:t>
+            </a:r>
+          </a:p>
+          <a:p>
+            <a:pPr>
+              <a:buNone/>
+            </a:pPr>
+            <a:br>
+              <a:rPr lang="en-US"/>
+            </a:br>
+            <a:endParaRPr lang="en-IL"/>
+          </a:p>
+        </p:txBody>
+      </p:sp>
+      <p:sp>
+        <p:nvSpPr>
+          <p:cNvPr id="4" name="Slide Number Placeholder 3"/>
+          <p:cNvSpPr>
+            <a:spLocks noGrp="1"/>
+          </p:cNvSpPr>
+          <p:nvPr>
+            <p:ph type="sldNum" sz="quarter" idx="5"/>
+          </p:nvPr>
+        </p:nvSpPr>
+        <p:spPr/>
+        <p:txBody>
+          <a:bodyPr/>
+          <a:lstStyle/>
+          <a:p>
+            <a:fld id="{F0370C3C-80B3-426A-87E7-712BA6DA1764}" type="slidenum">
+              <a:rPr lang="en-IL" smtClean="0"/>
+              <a:t>5</a:t>
+            </a:fld>
+            <a:endParaRPr lang="en-IL"/>
+          </a:p>
+        </p:txBody>
+      </p:sp>
+    </p:spTree>
+    <p:extLst>
+      <p:ext uri="{BB962C8B-B14F-4D97-AF65-F5344CB8AC3E}">
+        <p14:creationId xmlns:p14="http://schemas.microsoft.com/office/powerpoint/2010/main" val="381294684"/>
+      </p:ext>
+    </p:extLst>
+  </p:cSld>
+  <p:clrMapOvr>
+    <a:masterClrMapping/>
+  </p:clrMapOvr>
+</p:notes>
+</file>
+
+<file path=ppt/notesSlides/notesSlide6.xml><?xml version="1.0" encoding="utf-8"?>
+<p:notes xmlns:a="http://schemas.openxmlformats.org/drawingml/2006/main" xmlns:r="http://schemas.openxmlformats.org/officeDocument/2006/relationships" xmlns:p="http://schemas.openxmlformats.org/presentationml/2006/main">
+  <p:cSld>
+    <p:spTree>
+      <p:nvGrpSpPr>
+        <p:cNvPr id="1" name=""/>
+        <p:cNvGrpSpPr/>
+        <p:nvPr/>
+      </p:nvGrpSpPr>
+      <p:grpSpPr>
+        <a:xfrm>
+          <a:off x="0" y="0"/>
+          <a:ext cx="0" cy="0"/>
+          <a:chOff x="0" y="0"/>
+          <a:chExt cx="0" cy="0"/>
+        </a:xfrm>
+      </p:grpSpPr>
+      <p:sp>
+        <p:nvSpPr>
+          <p:cNvPr id="2" name="Slide Image Placeholder 1"/>
+          <p:cNvSpPr>
+            <a:spLocks noGrp="1" noRot="1" noChangeAspect="1"/>
+          </p:cNvSpPr>
+          <p:nvPr>
+            <p:ph type="sldImg"/>
+          </p:nvPr>
+        </p:nvSpPr>
+        <p:spPr/>
+      </p:sp>
+      <p:sp>
+        <p:nvSpPr>
+          <p:cNvPr id="3" name="Notes Placeholder 2"/>
+          <p:cNvSpPr>
+            <a:spLocks noGrp="1"/>
+          </p:cNvSpPr>
+          <p:nvPr>
+            <p:ph type="body" idx="1"/>
+          </p:nvPr>
+        </p:nvSpPr>
+        <p:spPr/>
+        <p:txBody>
+          <a:bodyPr/>
+          <a:lstStyle/>
+          <a:p>
+            <a:pPr>
+              <a:buNone/>
+            </a:pPr>
+            <a:r>
+              <a:rPr lang="en-US"/>
+              <a:t>Generated by Copilot</a:t>
+            </a:r>
+            <a:br>
+              <a:rPr lang="en-US"/>
+            </a:br>
+            <a:br>
+              <a:rPr lang="en-US"/>
+            </a:br>
+            <a:r>
+              <a:rPr lang="en-US"/>
+              <a:t>This slide covers the Hadamard Random Walk, which produces a bi-modal distribution through quantum superposition and interference. Key to this process is maintaining the walk in superposition by alternating control values for each CSWAP gate, simulating steps without collapsing the quantum state. Importantly, the coin state is not reset between steps to preserve interference effects. A final swap operation ensures the resulting distribution is symmetric. The diagram and graph illustrate how these quantum operations lead to the characteristic bi-modal distribution, highlighting the unique quantum behavior compared to classical random walks. </a:t>
+            </a:r>
+            <a:br>
+              <a:rPr lang="en-US"/>
+            </a:br>
+            <a:r>
+              <a:rPr lang="en-US"/>
+              <a:t>______</a:t>
+            </a:r>
+          </a:p>
+          <a:p>
+            <a:pPr>
+              <a:buNone/>
+            </a:pPr>
+            <a:br>
+              <a:rPr lang="en-US"/>
+            </a:br>
+            <a:endParaRPr lang="en-IL"/>
+          </a:p>
+        </p:txBody>
+      </p:sp>
+      <p:sp>
+        <p:nvSpPr>
+          <p:cNvPr id="4" name="Slide Number Placeholder 3"/>
+          <p:cNvSpPr>
+            <a:spLocks noGrp="1"/>
+          </p:cNvSpPr>
+          <p:nvPr>
+            <p:ph type="sldNum" sz="quarter" idx="5"/>
+          </p:nvPr>
+        </p:nvSpPr>
+        <p:spPr/>
+        <p:txBody>
+          <a:bodyPr/>
+          <a:lstStyle/>
+          <a:p>
+            <a:fld id="{F0370C3C-80B3-426A-87E7-712BA6DA1764}" type="slidenum">
+              <a:rPr lang="en-IL" smtClean="0"/>
+              <a:t>6</a:t>
+            </a:fld>
+            <a:endParaRPr lang="en-IL"/>
+          </a:p>
+        </p:txBody>
+      </p:sp>
+    </p:spTree>
+    <p:extLst>
+      <p:ext uri="{BB962C8B-B14F-4D97-AF65-F5344CB8AC3E}">
+        <p14:creationId xmlns:p14="http://schemas.microsoft.com/office/powerpoint/2010/main" val="2491256050"/>
+      </p:ext>
+    </p:extLst>
+  </p:cSld>
+  <p:clrMapOvr>
+    <a:masterClrMapping/>
+  </p:clrMapOvr>
+</p:notes>
+</file>
+
+<file path=ppt/notesSlides/notesSlide7.xml><?xml version="1.0" encoding="utf-8"?>
+<p:notes xmlns:a="http://schemas.openxmlformats.org/drawingml/2006/main" xmlns:r="http://schemas.openxmlformats.org/officeDocument/2006/relationships" xmlns:p="http://schemas.openxmlformats.org/presentationml/2006/main">
+  <p:cSld>
+    <p:spTree>
+      <p:nvGrpSpPr>
+        <p:cNvPr id="1" name=""/>
+        <p:cNvGrpSpPr/>
+        <p:nvPr/>
+      </p:nvGrpSpPr>
+      <p:grpSpPr>
+        <a:xfrm>
+          <a:off x="0" y="0"/>
+          <a:ext cx="0" cy="0"/>
+          <a:chOff x="0" y="0"/>
+          <a:chExt cx="0" cy="0"/>
+        </a:xfrm>
+      </p:grpSpPr>
+      <p:sp>
+        <p:nvSpPr>
+          <p:cNvPr id="2" name="Slide Image Placeholder 1"/>
+          <p:cNvSpPr>
+            <a:spLocks noGrp="1" noRot="1" noChangeAspect="1"/>
+          </p:cNvSpPr>
+          <p:nvPr>
+            <p:ph type="sldImg"/>
+          </p:nvPr>
+        </p:nvSpPr>
+        <p:spPr/>
+      </p:sp>
+      <p:sp>
+        <p:nvSpPr>
+          <p:cNvPr id="3" name="Notes Placeholder 2"/>
+          <p:cNvSpPr>
+            <a:spLocks noGrp="1"/>
+          </p:cNvSpPr>
+          <p:nvPr>
+            <p:ph type="body" idx="1"/>
+          </p:nvPr>
+        </p:nvSpPr>
+        <p:spPr/>
+        <p:txBody>
+          <a:bodyPr/>
+          <a:lstStyle/>
+          <a:p>
+            <a:pPr>
+              <a:buNone/>
+            </a:pPr>
+            <a:r>
+              <a:rPr lang="en-US"/>
+              <a:t>Generated by Copilot</a:t>
+            </a:r>
+            <a:br>
+              <a:rPr lang="en-US"/>
+            </a:br>
+            <a:br>
+              <a:rPr lang="en-US"/>
+            </a:br>
+            <a:r>
+              <a:rPr lang="en-US"/>
+              <a:t>The concept here is transforming a symmetric Directed Acyclic Graph into an optimal decision tree. This insight was inspired by examining the Exponential Distribution decision DAG. By leveraging symmetry, the decision tree can be optimized to reduce complexity and improve efficiency in quantum circuit design. The visual comparison between the DAG and the decision tree underscores how structural properties can be exploited to streamline quantum algorithms for distribution simulation. </a:t>
+            </a:r>
+            <a:br>
+              <a:rPr lang="en-US"/>
+            </a:br>
+            <a:r>
+              <a:rPr lang="en-US"/>
+              <a:t>______</a:t>
+            </a:r>
+          </a:p>
+          <a:p>
+            <a:pPr>
+              <a:buNone/>
+            </a:pPr>
+            <a:br>
+              <a:rPr lang="en-US"/>
+            </a:br>
+            <a:endParaRPr lang="en-IL"/>
+          </a:p>
+        </p:txBody>
+      </p:sp>
+      <p:sp>
+        <p:nvSpPr>
+          <p:cNvPr id="4" name="Slide Number Placeholder 3"/>
+          <p:cNvSpPr>
+            <a:spLocks noGrp="1"/>
+          </p:cNvSpPr>
+          <p:nvPr>
+            <p:ph type="sldNum" sz="quarter" idx="5"/>
+          </p:nvPr>
+        </p:nvSpPr>
+        <p:spPr/>
+        <p:txBody>
+          <a:bodyPr/>
+          <a:lstStyle/>
+          <a:p>
+            <a:fld id="{F0370C3C-80B3-426A-87E7-712BA6DA1764}" type="slidenum">
+              <a:rPr lang="en-IL" smtClean="0"/>
+              <a:t>7</a:t>
+            </a:fld>
+            <a:endParaRPr lang="en-IL"/>
+          </a:p>
+        </p:txBody>
+      </p:sp>
+    </p:spTree>
+    <p:extLst>
+      <p:ext uri="{BB962C8B-B14F-4D97-AF65-F5344CB8AC3E}">
+        <p14:creationId xmlns:p14="http://schemas.microsoft.com/office/powerpoint/2010/main" val="3888288750"/>
+      </p:ext>
+    </p:extLst>
+  </p:cSld>
+  <p:clrMapOvr>
+    <a:masterClrMapping/>
+  </p:clrMapOvr>
+</p:notes>
+</file>
+
+<file path=ppt/notesSlides/notesSlide8.xml><?xml version="1.0" encoding="utf-8"?>
+<p:notes xmlns:a="http://schemas.openxmlformats.org/drawingml/2006/main" xmlns:r="http://schemas.openxmlformats.org/officeDocument/2006/relationships" xmlns:p="http://schemas.openxmlformats.org/presentationml/2006/main">
+  <p:cSld>
+    <p:spTree>
+      <p:nvGrpSpPr>
+        <p:cNvPr id="1" name=""/>
+        <p:cNvGrpSpPr/>
+        <p:nvPr/>
+      </p:nvGrpSpPr>
+      <p:grpSpPr>
+        <a:xfrm>
+          <a:off x="0" y="0"/>
+          <a:ext cx="0" cy="0"/>
+          <a:chOff x="0" y="0"/>
+          <a:chExt cx="0" cy="0"/>
+        </a:xfrm>
+      </p:grpSpPr>
+      <p:sp>
+        <p:nvSpPr>
+          <p:cNvPr id="2" name="Slide Image Placeholder 1"/>
+          <p:cNvSpPr>
+            <a:spLocks noGrp="1" noRot="1" noChangeAspect="1"/>
+          </p:cNvSpPr>
+          <p:nvPr>
+            <p:ph type="sldImg"/>
+          </p:nvPr>
+        </p:nvSpPr>
+        <p:spPr/>
+      </p:sp>
+      <p:sp>
+        <p:nvSpPr>
+          <p:cNvPr id="3" name="Notes Placeholder 2"/>
+          <p:cNvSpPr>
+            <a:spLocks noGrp="1"/>
+          </p:cNvSpPr>
+          <p:nvPr>
+            <p:ph type="body" idx="1"/>
+          </p:nvPr>
+        </p:nvSpPr>
+        <p:spPr/>
+        <p:txBody>
+          <a:bodyPr/>
+          <a:lstStyle/>
+          <a:p>
+            <a:pPr>
+              <a:buNone/>
+            </a:pPr>
+            <a:r>
+              <a:rPr lang="en-US"/>
+              <a:t>Generated by Copilot</a:t>
+            </a:r>
+            <a:br>
+              <a:rPr lang="en-US"/>
+            </a:br>
+            <a:br>
+              <a:rPr lang="en-US"/>
+            </a:br>
+            <a:r>
+              <a:rPr lang="en-US"/>
+              <a:t>This slide presents the construction of an optimal decision tree for any arbitrary distribution given a vector of probabilities. The quantum circuit is designed to ensure that the quantum ball reaches each tally bin with the exact desired probability. The circuit's structure resembles a one-sided decision tree, with rotation angles at each level calculated to match the target distribution. Notably, this approach reduces the qubit count to n plus 3 and achieves a circuit depth linear in n, significantly improving resource efficiency compared to previous designs. </a:t>
+            </a:r>
+            <a:br>
+              <a:rPr lang="en-US"/>
+            </a:br>
+            <a:r>
+              <a:rPr lang="en-US"/>
+              <a:t>______</a:t>
+            </a:r>
+          </a:p>
+          <a:p>
+            <a:pPr>
+              <a:buNone/>
+            </a:pPr>
+            <a:br>
+              <a:rPr lang="en-US"/>
+            </a:br>
+            <a:endParaRPr lang="en-IL"/>
+          </a:p>
+        </p:txBody>
+      </p:sp>
+      <p:sp>
+        <p:nvSpPr>
+          <p:cNvPr id="4" name="Slide Number Placeholder 3"/>
+          <p:cNvSpPr>
+            <a:spLocks noGrp="1"/>
+          </p:cNvSpPr>
+          <p:nvPr>
+            <p:ph type="sldNum" sz="quarter" idx="5"/>
+          </p:nvPr>
+        </p:nvSpPr>
+        <p:spPr/>
+        <p:txBody>
+          <a:bodyPr/>
+          <a:lstStyle/>
+          <a:p>
+            <a:fld id="{F0370C3C-80B3-426A-87E7-712BA6DA1764}" type="slidenum">
+              <a:rPr lang="en-IL" smtClean="0"/>
+              <a:t>8</a:t>
+            </a:fld>
+            <a:endParaRPr lang="en-IL"/>
+          </a:p>
+        </p:txBody>
+      </p:sp>
+    </p:spTree>
+    <p:extLst>
+      <p:ext uri="{BB962C8B-B14F-4D97-AF65-F5344CB8AC3E}">
+        <p14:creationId xmlns:p14="http://schemas.microsoft.com/office/powerpoint/2010/main" val="261075541"/>
+      </p:ext>
+    </p:extLst>
+  </p:cSld>
+  <p:clrMapOvr>
+    <a:masterClrMapping/>
+  </p:clrMapOvr>
+</p:notes>
+</file>
+
+<file path=ppt/notesSlides/notesSlide9.xml><?xml version="1.0" encoding="utf-8"?>
+<p:notes xmlns:a="http://schemas.openxmlformats.org/drawingml/2006/main" xmlns:r="http://schemas.openxmlformats.org/officeDocument/2006/relationships" xmlns:p="http://schemas.openxmlformats.org/presentationml/2006/main">
+  <p:cSld>
+    <p:spTree>
+      <p:nvGrpSpPr>
+        <p:cNvPr id="1" name=""/>
+        <p:cNvGrpSpPr/>
+        <p:nvPr/>
+      </p:nvGrpSpPr>
+      <p:grpSpPr>
+        <a:xfrm>
+          <a:off x="0" y="0"/>
+          <a:ext cx="0" cy="0"/>
+          <a:chOff x="0" y="0"/>
+          <a:chExt cx="0" cy="0"/>
+        </a:xfrm>
+      </p:grpSpPr>
+      <p:sp>
+        <p:nvSpPr>
+          <p:cNvPr id="2" name="Slide Image Placeholder 1"/>
+          <p:cNvSpPr>
+            <a:spLocks noGrp="1" noRot="1" noChangeAspect="1"/>
+          </p:cNvSpPr>
+          <p:nvPr>
+            <p:ph type="sldImg"/>
+          </p:nvPr>
+        </p:nvSpPr>
+        <p:spPr/>
+      </p:sp>
+      <p:sp>
+        <p:nvSpPr>
+          <p:cNvPr id="3" name="Notes Placeholder 2"/>
+          <p:cNvSpPr>
+            <a:spLocks noGrp="1"/>
+          </p:cNvSpPr>
+          <p:nvPr>
+            <p:ph type="body" idx="1"/>
+          </p:nvPr>
+        </p:nvSpPr>
+        <p:spPr/>
+        <p:txBody>
+          <a:bodyPr/>
+          <a:lstStyle/>
+          <a:p>
+            <a:pPr>
+              <a:buNone/>
+            </a:pPr>
+            <a:r>
+              <a:rPr lang="en-US"/>
+              <a:t>Generated by Copilot</a:t>
+            </a:r>
+            <a:br>
+              <a:rPr lang="en-US"/>
+            </a:br>
+            <a:br>
+              <a:rPr lang="en-US"/>
+            </a:br>
+            <a:r>
+              <a:rPr lang="en-US"/>
+              <a:t>Noisy simulations demonstrate the robustness of the optimized Galton Board circuits. The exponential distribution, in particular, shows the greatest accuracy improvement after optimization. By reducing qubit requirements and circuit depth, the circuits maintain results close to reference values despite noise. The histograms and line graph illustrate that the visual similarity of distributions is preserved up to 14 levels, confirming that the optimizations enhance noise resilience and make these quantum simulations more practical on current noisy intermediate-scale quantum (NISQ) devices. </a:t>
+            </a:r>
+            <a:br>
+              <a:rPr lang="en-US"/>
+            </a:br>
+            <a:r>
+              <a:rPr lang="en-US"/>
+              <a:t>______</a:t>
+            </a:r>
+          </a:p>
+          <a:p>
+            <a:pPr>
+              <a:buNone/>
+            </a:pPr>
+            <a:br>
+              <a:rPr lang="en-US"/>
+            </a:br>
+            <a:endParaRPr lang="en-IL"/>
+          </a:p>
+        </p:txBody>
+      </p:sp>
+      <p:sp>
+        <p:nvSpPr>
+          <p:cNvPr id="4" name="Slide Number Placeholder 3"/>
+          <p:cNvSpPr>
+            <a:spLocks noGrp="1"/>
+          </p:cNvSpPr>
+          <p:nvPr>
+            <p:ph type="sldNum" sz="quarter" idx="5"/>
+          </p:nvPr>
+        </p:nvSpPr>
+        <p:spPr/>
+        <p:txBody>
+          <a:bodyPr/>
+          <a:lstStyle/>
+          <a:p>
+            <a:fld id="{F0370C3C-80B3-426A-87E7-712BA6DA1764}" type="slidenum">
+              <a:rPr lang="en-IL" smtClean="0"/>
+              <a:t>9</a:t>
+            </a:fld>
+            <a:endParaRPr lang="en-IL"/>
+          </a:p>
+        </p:txBody>
+      </p:sp>
+    </p:spTree>
+    <p:extLst>
+      <p:ext uri="{BB962C8B-B14F-4D97-AF65-F5344CB8AC3E}">
+        <p14:creationId xmlns:p14="http://schemas.microsoft.com/office/powerpoint/2010/main" val="1134079146"/>
+      </p:ext>
+    </p:extLst>
+  </p:cSld>
+  <p:clrMapOvr>
+    <a:masterClrMapping/>
+  </p:clrMapOvr>
+</p:notes>
 </file>
 
 <file path=ppt/slideLayouts/slideLayout1.xml><?xml version="1.0" encoding="utf-8"?>
@@ -28395,6 +30582,14 @@
   <p:clrMapOvr>
     <a:masterClrMapping/>
   </p:clrMapOvr>
+  <mc:AlternateContent xmlns:mc="http://schemas.openxmlformats.org/markup-compatibility/2006">
+    <mc:Choice xmlns:p14="http://schemas.microsoft.com/office/powerpoint/2010/main" Requires="p14">
+      <p:transition spd="slow" p14:dur="2000" advTm="22664"/>
+    </mc:Choice>
+    <mc:Fallback>
+      <p:transition spd="slow" advTm="22664"/>
+    </mc:Fallback>
+  </mc:AlternateContent>
 </p:sld>
 </file>
 
@@ -28464,7 +30659,7 @@
           <p:nvPr/>
         </p:nvPicPr>
         <p:blipFill>
-          <a:blip r:embed="rId2"/>
+          <a:blip r:embed="rId3"/>
           <a:stretch>
             <a:fillRect/>
           </a:stretch>
@@ -28494,7 +30689,7 @@
           <p:nvPr/>
         </p:nvPicPr>
         <p:blipFill>
-          <a:blip r:embed="rId3"/>
+          <a:blip r:embed="rId4"/>
           <a:stretch>
             <a:fillRect/>
           </a:stretch>
@@ -28524,7 +30719,7 @@
           <p:nvPr/>
         </p:nvPicPr>
         <p:blipFill>
-          <a:blip r:embed="rId4"/>
+          <a:blip r:embed="rId5"/>
           <a:stretch>
             <a:fillRect/>
           </a:stretch>
@@ -28554,7 +30749,7 @@
           <p:nvPr/>
         </p:nvPicPr>
         <p:blipFill>
-          <a:blip r:embed="rId5"/>
+          <a:blip r:embed="rId6"/>
           <a:stretch>
             <a:fillRect/>
           </a:stretch>
@@ -28584,7 +30779,7 @@
           <p:nvPr/>
         </p:nvPicPr>
         <p:blipFill>
-          <a:blip r:embed="rId6"/>
+          <a:blip r:embed="rId7"/>
           <a:stretch>
             <a:fillRect/>
           </a:stretch>
@@ -28614,7 +30809,7 @@
           <p:nvPr/>
         </p:nvPicPr>
         <p:blipFill>
-          <a:blip r:embed="rId7"/>
+          <a:blip r:embed="rId8"/>
           <a:stretch>
             <a:fillRect/>
           </a:stretch>
@@ -28752,6 +30947,14 @@
   <p:clrMapOvr>
     <a:masterClrMapping/>
   </p:clrMapOvr>
+  <mc:AlternateContent xmlns:mc="http://schemas.openxmlformats.org/markup-compatibility/2006">
+    <mc:Choice xmlns:p14="http://schemas.microsoft.com/office/powerpoint/2010/main" Requires="p14">
+      <p:transition spd="slow" p14:dur="2000" advTm="21811"/>
+    </mc:Choice>
+    <mc:Fallback>
+      <p:transition spd="slow" advTm="21811"/>
+    </mc:Fallback>
+  </mc:AlternateContent>
 </p:sld>
 </file>
 
@@ -28847,7 +31050,7 @@
               <a:buNone/>
             </a:pPr>
             <a:r>
-              <a:rPr lang="en-US" sz="1800" b="1" u="sng">
+              <a:rPr lang="en-US" sz="1800" b="1" u="sng" dirty="0">
                 <a:solidFill>
                   <a:srgbClr val="000000"/>
                 </a:solidFill>
@@ -28997,7 +31200,7 @@
           <p:nvPr/>
         </p:nvPicPr>
         <p:blipFill>
-          <a:blip r:embed="rId2"/>
+          <a:blip r:embed="rId3"/>
           <a:stretch>
             <a:fillRect/>
           </a:stretch>
@@ -29027,7 +31230,7 @@
           <p:nvPr/>
         </p:nvPicPr>
         <p:blipFill>
-          <a:blip r:embed="rId3"/>
+          <a:blip r:embed="rId4"/>
           <a:stretch>
             <a:fillRect/>
           </a:stretch>
@@ -29047,6 +31250,14 @@
   <p:clrMapOvr>
     <a:masterClrMapping/>
   </p:clrMapOvr>
+  <mc:AlternateContent xmlns:mc="http://schemas.openxmlformats.org/markup-compatibility/2006">
+    <mc:Choice xmlns:p14="http://schemas.microsoft.com/office/powerpoint/2010/main" Requires="p14">
+      <p:transition spd="slow" p14:dur="2000" advTm="15524"/>
+    </mc:Choice>
+    <mc:Fallback>
+      <p:transition spd="slow" advTm="15524"/>
+    </mc:Fallback>
+  </mc:AlternateContent>
 </p:sld>
 </file>
 
@@ -29325,6 +31536,14 @@
   <p:clrMapOvr>
     <a:overrideClrMapping bg1="lt1" tx1="dk1" bg2="lt2" tx2="dk2" accent1="accent1" accent2="accent2" accent3="accent3" accent4="accent4" accent5="accent5" accent6="accent6" hlink="hlink" folHlink="folHlink"/>
   </p:clrMapOvr>
+  <mc:AlternateContent xmlns:mc="http://schemas.openxmlformats.org/markup-compatibility/2006">
+    <mc:Choice xmlns:p14="http://schemas.microsoft.com/office/powerpoint/2010/main" Requires="p14">
+      <p:transition spd="slow" p14:dur="2000" advTm="44953"/>
+    </mc:Choice>
+    <mc:Fallback>
+      <p:transition spd="slow" advTm="44953"/>
+    </mc:Fallback>
+  </mc:AlternateContent>
 </p:sld>
 </file>
 
@@ -29818,7 +32037,7 @@
           </p:nvPr>
         </p:nvPicPr>
         <p:blipFill>
-          <a:blip r:embed="rId2">
+          <a:blip r:embed="rId3">
             <a:extLst>
               <a:ext uri="{28A0092B-C50C-407E-A947-70E740481C1C}">
                 <a14:useLocalDpi xmlns:a14="http://schemas.microsoft.com/office/drawing/2010/main" val="0"/>
@@ -29921,6 +32140,14 @@
   <p:clrMapOvr>
     <a:masterClrMapping/>
   </p:clrMapOvr>
+  <mc:AlternateContent xmlns:mc="http://schemas.openxmlformats.org/markup-compatibility/2006">
+    <mc:Choice xmlns:p14="http://schemas.microsoft.com/office/powerpoint/2010/main" Requires="p14">
+      <p:transition spd="slow" p14:dur="2000" advTm="77121"/>
+    </mc:Choice>
+    <mc:Fallback>
+      <p:transition spd="slow" advTm="77121"/>
+    </mc:Fallback>
+  </mc:AlternateContent>
 </p:sld>
 </file>
 
@@ -29994,7 +32221,7 @@
           </p:nvPr>
         </p:nvPicPr>
         <p:blipFill>
-          <a:blip r:embed="rId2"/>
+          <a:blip r:embed="rId3"/>
           <a:stretch>
             <a:fillRect/>
           </a:stretch>
@@ -30124,7 +32351,7 @@
           <p:nvPr/>
         </p:nvPicPr>
         <p:blipFill>
-          <a:blip r:embed="rId3"/>
+          <a:blip r:embed="rId4"/>
           <a:stretch>
             <a:fillRect/>
           </a:stretch>
@@ -30144,6 +32371,14 @@
   <p:clrMapOvr>
     <a:masterClrMapping/>
   </p:clrMapOvr>
+  <mc:AlternateContent xmlns:mc="http://schemas.openxmlformats.org/markup-compatibility/2006">
+    <mc:Choice xmlns:p14="http://schemas.microsoft.com/office/powerpoint/2010/main" Requires="p14">
+      <p:transition spd="slow" p14:dur="2000" advTm="34790"/>
+    </mc:Choice>
+    <mc:Fallback>
+      <p:transition spd="slow" advTm="34790"/>
+    </mc:Fallback>
+  </mc:AlternateContent>
 </p:sld>
 </file>
 
@@ -30217,7 +32452,7 @@
           </p:nvPr>
         </p:nvPicPr>
         <p:blipFill>
-          <a:blip r:embed="rId2">
+          <a:blip r:embed="rId3">
             <a:extLst>
               <a:ext uri="{28A0092B-C50C-407E-A947-70E740481C1C}">
                 <a14:useLocalDpi xmlns:a14="http://schemas.microsoft.com/office/drawing/2010/main" val="0"/>
@@ -30389,7 +32624,7 @@
           <p:nvPr/>
         </p:nvPicPr>
         <p:blipFill>
-          <a:blip r:embed="rId3"/>
+          <a:blip r:embed="rId4"/>
           <a:stretch>
             <a:fillRect/>
           </a:stretch>
@@ -30419,7 +32654,7 @@
           <p:nvPr/>
         </p:nvPicPr>
         <p:blipFill>
-          <a:blip r:embed="rId4"/>
+          <a:blip r:embed="rId5"/>
           <a:stretch>
             <a:fillRect/>
           </a:stretch>
@@ -30439,6 +32674,14 @@
   <p:clrMapOvr>
     <a:masterClrMapping/>
   </p:clrMapOvr>
+  <mc:AlternateContent xmlns:mc="http://schemas.openxmlformats.org/markup-compatibility/2006">
+    <mc:Choice xmlns:p14="http://schemas.microsoft.com/office/powerpoint/2010/main" Requires="p14">
+      <p:transition spd="slow" p14:dur="2000" advTm="28475"/>
+    </mc:Choice>
+    <mc:Fallback>
+      <p:transition spd="slow" advTm="28475"/>
+    </mc:Fallback>
+  </mc:AlternateContent>
 </p:sld>
 </file>
 
@@ -30647,7 +32890,7 @@
           <p:nvPr/>
         </p:nvPicPr>
         <p:blipFill>
-          <a:blip r:embed="rId2"/>
+          <a:blip r:embed="rId3"/>
           <a:stretch>
             <a:fillRect/>
           </a:stretch>
@@ -30677,7 +32920,7 @@
           <p:nvPr/>
         </p:nvPicPr>
         <p:blipFill>
-          <a:blip r:embed="rId3"/>
+          <a:blip r:embed="rId4"/>
           <a:stretch>
             <a:fillRect/>
           </a:stretch>
@@ -30697,6 +32940,14 @@
   <p:clrMapOvr>
     <a:masterClrMapping/>
   </p:clrMapOvr>
+  <mc:AlternateContent xmlns:mc="http://schemas.openxmlformats.org/markup-compatibility/2006">
+    <mc:Choice xmlns:p14="http://schemas.microsoft.com/office/powerpoint/2010/main" Requires="p14">
+      <p:transition spd="slow" p14:dur="2000" advTm="37569"/>
+    </mc:Choice>
+    <mc:Fallback>
+      <p:transition spd="slow" advTm="37569"/>
+    </mc:Fallback>
+  </mc:AlternateContent>
 </p:sld>
 </file>
 
@@ -30774,7 +33025,7 @@
           </p:nvPr>
         </p:nvPicPr>
         <p:blipFill>
-          <a:blip r:embed="rId2">
+          <a:blip r:embed="rId3">
             <a:extLst>
               <a:ext uri="{28A0092B-C50C-407E-A947-70E740481C1C}">
                 <a14:useLocalDpi xmlns:a14="http://schemas.microsoft.com/office/drawing/2010/main" val="0"/>
@@ -30814,7 +33065,7 @@
           <p:nvPr/>
         </p:nvPicPr>
         <p:blipFill>
-          <a:blip r:embed="rId3">
+          <a:blip r:embed="rId4">
             <a:extLst>
               <a:ext uri="{28A0092B-C50C-407E-A947-70E740481C1C}">
                 <a14:useLocalDpi xmlns:a14="http://schemas.microsoft.com/office/drawing/2010/main" val="0"/>
@@ -30991,7 +33242,7 @@
           <p:nvPr/>
         </p:nvPicPr>
         <p:blipFill>
-          <a:blip r:embed="rId2">
+          <a:blip r:embed="rId3">
             <a:extLst>
               <a:ext uri="{28A0092B-C50C-407E-A947-70E740481C1C}">
                 <a14:useLocalDpi xmlns:a14="http://schemas.microsoft.com/office/drawing/2010/main" val="0"/>
@@ -31131,7 +33382,7 @@
           <p:nvPr/>
         </p:nvPicPr>
         <p:blipFill>
-          <a:blip r:embed="rId3"/>
+          <a:blip r:embed="rId4"/>
           <a:stretch>
             <a:fillRect/>
           </a:stretch>
@@ -31161,7 +33412,7 @@
           <p:nvPr/>
         </p:nvPicPr>
         <p:blipFill>
-          <a:blip r:embed="rId4"/>
+          <a:blip r:embed="rId5"/>
           <a:stretch>
             <a:fillRect/>
           </a:stretch>
@@ -31234,6 +33485,14 @@
   <p:clrMapOvr>
     <a:masterClrMapping/>
   </p:clrMapOvr>
+  <mc:AlternateContent xmlns:mc="http://schemas.openxmlformats.org/markup-compatibility/2006">
+    <mc:Choice xmlns:p14="http://schemas.microsoft.com/office/powerpoint/2010/main" Requires="p14">
+      <p:transition spd="slow" p14:dur="2000" advTm="59036"/>
+    </mc:Choice>
+    <mc:Fallback>
+      <p:transition spd="slow" advTm="59036"/>
+    </mc:Fallback>
+  </mc:AlternateContent>
 </p:sld>
 </file>
 
@@ -31305,7 +33564,7 @@
           <p:nvPr/>
         </p:nvPicPr>
         <p:blipFill>
-          <a:blip r:embed="rId2"/>
+          <a:blip r:embed="rId3"/>
           <a:stretch>
             <a:fillRect/>
           </a:stretch>
@@ -31335,7 +33594,7 @@
           <p:nvPr/>
         </p:nvPicPr>
         <p:blipFill>
-          <a:blip r:embed="rId3"/>
+          <a:blip r:embed="rId4"/>
           <a:stretch>
             <a:fillRect/>
           </a:stretch>
@@ -31365,7 +33624,7 @@
           <p:nvPr/>
         </p:nvPicPr>
         <p:blipFill>
-          <a:blip r:embed="rId4"/>
+          <a:blip r:embed="rId5"/>
           <a:stretch>
             <a:fillRect/>
           </a:stretch>
@@ -31395,7 +33654,7 @@
           <p:nvPr/>
         </p:nvPicPr>
         <p:blipFill>
-          <a:blip r:embed="rId5"/>
+          <a:blip r:embed="rId6"/>
           <a:stretch>
             <a:fillRect/>
           </a:stretch>
@@ -31501,6 +33760,14 @@
   <p:clrMapOvr>
     <a:masterClrMapping/>
   </p:clrMapOvr>
+  <mc:AlternateContent xmlns:mc="http://schemas.openxmlformats.org/markup-compatibility/2006">
+    <mc:Choice xmlns:p14="http://schemas.microsoft.com/office/powerpoint/2010/main" Requires="p14">
+      <p:transition spd="slow" p14:dur="2000" advTm="10336"/>
+    </mc:Choice>
+    <mc:Fallback>
+      <p:transition spd="slow" advTm="10336"/>
+    </mc:Fallback>
+  </mc:AlternateContent>
 </p:sld>
 </file>
 
@@ -32368,6 +34635,321 @@
 </a:theme>
 </file>
 
+<file path=ppt/theme/theme9.xml><?xml version="1.0" encoding="utf-8"?>
+<a:theme xmlns:a="http://schemas.openxmlformats.org/drawingml/2006/main" name="Office Theme">
+  <a:themeElements>
+    <a:clrScheme name="Office">
+      <a:dk1>
+        <a:sysClr val="windowText" lastClr="000000"/>
+      </a:dk1>
+      <a:lt1>
+        <a:sysClr val="window" lastClr="FFFFFF"/>
+      </a:lt1>
+      <a:dk2>
+        <a:srgbClr val="0E2841"/>
+      </a:dk2>
+      <a:lt2>
+        <a:srgbClr val="E8E8E8"/>
+      </a:lt2>
+      <a:accent1>
+        <a:srgbClr val="156082"/>
+      </a:accent1>
+      <a:accent2>
+        <a:srgbClr val="E97132"/>
+      </a:accent2>
+      <a:accent3>
+        <a:srgbClr val="196B24"/>
+      </a:accent3>
+      <a:accent4>
+        <a:srgbClr val="0F9ED5"/>
+      </a:accent4>
+      <a:accent5>
+        <a:srgbClr val="A02B93"/>
+      </a:accent5>
+      <a:accent6>
+        <a:srgbClr val="4EA72E"/>
+      </a:accent6>
+      <a:hlink>
+        <a:srgbClr val="467886"/>
+      </a:hlink>
+      <a:folHlink>
+        <a:srgbClr val="96607D"/>
+      </a:folHlink>
+    </a:clrScheme>
+    <a:fontScheme name="Office">
+      <a:majorFont>
+        <a:latin typeface="Aptos Display" panose="02110004020202020204"/>
+        <a:ea typeface=""/>
+        <a:cs typeface=""/>
+        <a:font script="Jpan" typeface="游ゴシック Light"/>
+        <a:font script="Hang" typeface="맑은 고딕"/>
+        <a:font script="Hans" typeface="等线 Light"/>
+        <a:font script="Hant" typeface="新細明體"/>
+        <a:font script="Arab" typeface="Times New Roman"/>
+        <a:font script="Hebr" typeface="Times New Roman"/>
+        <a:font script="Thai" typeface="Angsana New"/>
+        <a:font script="Ethi" typeface="Nyala"/>
+        <a:font script="Beng" typeface="Vrinda"/>
+        <a:font script="Gujr" typeface="Shruti"/>
+        <a:font script="Khmr" typeface="MoolBoran"/>
+        <a:font script="Knda" typeface="Tunga"/>
+        <a:font script="Guru" typeface="Raavi"/>
+        <a:font script="Cans" typeface="Euphemia"/>
+        <a:font script="Cher" typeface="Plantagenet Cherokee"/>
+        <a:font script="Yiii" typeface="Microsoft Yi Baiti"/>
+        <a:font script="Tibt" typeface="Microsoft Himalaya"/>
+        <a:font script="Thaa" typeface="MV Boli"/>
+        <a:font script="Deva" typeface="Mangal"/>
+        <a:font script="Telu" typeface="Gautami"/>
+        <a:font script="Taml" typeface="Latha"/>
+        <a:font script="Syrc" typeface="Estrangelo Edessa"/>
+        <a:font script="Orya" typeface="Kalinga"/>
+        <a:font script="Mlym" typeface="Kartika"/>
+        <a:font script="Laoo" typeface="DokChampa"/>
+        <a:font script="Sinh" typeface="Iskoola Pota"/>
+        <a:font script="Mong" typeface="Mongolian Baiti"/>
+        <a:font script="Viet" typeface="Times New Roman"/>
+        <a:font script="Uigh" typeface="Microsoft Uighur"/>
+        <a:font script="Geor" typeface="Sylfaen"/>
+        <a:font script="Armn" typeface="Arial"/>
+        <a:font script="Bugi" typeface="Leelawadee UI"/>
+        <a:font script="Bopo" typeface="Microsoft JhengHei"/>
+        <a:font script="Java" typeface="Javanese Text"/>
+        <a:font script="Lisu" typeface="Segoe UI"/>
+        <a:font script="Mymr" typeface="Myanmar Text"/>
+        <a:font script="Nkoo" typeface="Ebrima"/>
+        <a:font script="Olck" typeface="Nirmala UI"/>
+        <a:font script="Osma" typeface="Ebrima"/>
+        <a:font script="Phag" typeface="Phagspa"/>
+        <a:font script="Syrn" typeface="Estrangelo Edessa"/>
+        <a:font script="Syrj" typeface="Estrangelo Edessa"/>
+        <a:font script="Syre" typeface="Estrangelo Edessa"/>
+        <a:font script="Sora" typeface="Nirmala UI"/>
+        <a:font script="Tale" typeface="Microsoft Tai Le"/>
+        <a:font script="Talu" typeface="Microsoft New Tai Lue"/>
+        <a:font script="Tfng" typeface="Ebrima"/>
+      </a:majorFont>
+      <a:minorFont>
+        <a:latin typeface="Aptos" panose="02110004020202020204"/>
+        <a:ea typeface=""/>
+        <a:cs typeface=""/>
+        <a:font script="Jpan" typeface="游ゴシック"/>
+        <a:font script="Hang" typeface="맑은 고딕"/>
+        <a:font script="Hans" typeface="等线"/>
+        <a:font script="Hant" typeface="新細明體"/>
+        <a:font script="Arab" typeface="Arial"/>
+        <a:font script="Hebr" typeface="Arial"/>
+        <a:font script="Thai" typeface="Cordia New"/>
+        <a:font script="Ethi" typeface="Nyala"/>
+        <a:font script="Beng" typeface="Vrinda"/>
+        <a:font script="Gujr" typeface="Shruti"/>
+        <a:font script="Khmr" typeface="DaunPenh"/>
+        <a:font script="Knda" typeface="Tunga"/>
+        <a:font script="Guru" typeface="Raavi"/>
+        <a:font script="Cans" typeface="Euphemia"/>
+        <a:font script="Cher" typeface="Plantagenet Cherokee"/>
+        <a:font script="Yiii" typeface="Microsoft Yi Baiti"/>
+        <a:font script="Tibt" typeface="Microsoft Himalaya"/>
+        <a:font script="Thaa" typeface="MV Boli"/>
+        <a:font script="Deva" typeface="Mangal"/>
+        <a:font script="Telu" typeface="Gautami"/>
+        <a:font script="Taml" typeface="Latha"/>
+        <a:font script="Syrc" typeface="Estrangelo Edessa"/>
+        <a:font script="Orya" typeface="Kalinga"/>
+        <a:font script="Mlym" typeface="Kartika"/>
+        <a:font script="Laoo" typeface="DokChampa"/>
+        <a:font script="Sinh" typeface="Iskoola Pota"/>
+        <a:font script="Mong" typeface="Mongolian Baiti"/>
+        <a:font script="Viet" typeface="Arial"/>
+        <a:font script="Uigh" typeface="Microsoft Uighur"/>
+        <a:font script="Geor" typeface="Sylfaen"/>
+        <a:font script="Armn" typeface="Arial"/>
+        <a:font script="Bugi" typeface="Leelawadee UI"/>
+        <a:font script="Bopo" typeface="Microsoft JhengHei"/>
+        <a:font script="Java" typeface="Javanese Text"/>
+        <a:font script="Lisu" typeface="Segoe UI"/>
+        <a:font script="Mymr" typeface="Myanmar Text"/>
+        <a:font script="Nkoo" typeface="Ebrima"/>
+        <a:font script="Olck" typeface="Nirmala UI"/>
+        <a:font script="Osma" typeface="Ebrima"/>
+        <a:font script="Phag" typeface="Phagspa"/>
+        <a:font script="Syrn" typeface="Estrangelo Edessa"/>
+        <a:font script="Syrj" typeface="Estrangelo Edessa"/>
+        <a:font script="Syre" typeface="Estrangelo Edessa"/>
+        <a:font script="Sora" typeface="Nirmala UI"/>
+        <a:font script="Tale" typeface="Microsoft Tai Le"/>
+        <a:font script="Talu" typeface="Microsoft New Tai Lue"/>
+        <a:font script="Tfng" typeface="Ebrima"/>
+      </a:minorFont>
+    </a:fontScheme>
+    <a:fmtScheme name="Office">
+      <a:fillStyleLst>
+        <a:solidFill>
+          <a:schemeClr val="phClr"/>
+        </a:solidFill>
+        <a:gradFill rotWithShape="1">
+          <a:gsLst>
+            <a:gs pos="0">
+              <a:schemeClr val="phClr">
+                <a:lumMod val="110000"/>
+                <a:satMod val="105000"/>
+                <a:tint val="67000"/>
+              </a:schemeClr>
+            </a:gs>
+            <a:gs pos="50000">
+              <a:schemeClr val="phClr">
+                <a:lumMod val="105000"/>
+                <a:satMod val="103000"/>
+                <a:tint val="73000"/>
+              </a:schemeClr>
+            </a:gs>
+            <a:gs pos="100000">
+              <a:schemeClr val="phClr">
+                <a:lumMod val="105000"/>
+                <a:satMod val="109000"/>
+                <a:tint val="81000"/>
+              </a:schemeClr>
+            </a:gs>
+          </a:gsLst>
+          <a:lin ang="5400000" scaled="0"/>
+        </a:gradFill>
+        <a:gradFill rotWithShape="1">
+          <a:gsLst>
+            <a:gs pos="0">
+              <a:schemeClr val="phClr">
+                <a:satMod val="103000"/>
+                <a:lumMod val="102000"/>
+                <a:tint val="94000"/>
+              </a:schemeClr>
+            </a:gs>
+            <a:gs pos="50000">
+              <a:schemeClr val="phClr">
+                <a:satMod val="110000"/>
+                <a:lumMod val="100000"/>
+                <a:shade val="100000"/>
+              </a:schemeClr>
+            </a:gs>
+            <a:gs pos="100000">
+              <a:schemeClr val="phClr">
+                <a:lumMod val="99000"/>
+                <a:satMod val="120000"/>
+                <a:shade val="78000"/>
+              </a:schemeClr>
+            </a:gs>
+          </a:gsLst>
+          <a:lin ang="5400000" scaled="0"/>
+        </a:gradFill>
+      </a:fillStyleLst>
+      <a:lnStyleLst>
+        <a:ln w="12700" cap="flat" cmpd="sng" algn="ctr">
+          <a:solidFill>
+            <a:schemeClr val="phClr"/>
+          </a:solidFill>
+          <a:prstDash val="solid"/>
+          <a:miter lim="800000"/>
+        </a:ln>
+        <a:ln w="19050" cap="flat" cmpd="sng" algn="ctr">
+          <a:solidFill>
+            <a:schemeClr val="phClr"/>
+          </a:solidFill>
+          <a:prstDash val="solid"/>
+          <a:miter lim="800000"/>
+        </a:ln>
+        <a:ln w="25400" cap="flat" cmpd="sng" algn="ctr">
+          <a:solidFill>
+            <a:schemeClr val="phClr"/>
+          </a:solidFill>
+          <a:prstDash val="solid"/>
+          <a:miter lim="800000"/>
+        </a:ln>
+      </a:lnStyleLst>
+      <a:effectStyleLst>
+        <a:effectStyle>
+          <a:effectLst/>
+        </a:effectStyle>
+        <a:effectStyle>
+          <a:effectLst/>
+        </a:effectStyle>
+        <a:effectStyle>
+          <a:effectLst>
+            <a:outerShdw blurRad="57150" dist="19050" dir="5400000" algn="ctr" rotWithShape="0">
+              <a:srgbClr val="000000">
+                <a:alpha val="63000"/>
+              </a:srgbClr>
+            </a:outerShdw>
+          </a:effectLst>
+        </a:effectStyle>
+      </a:effectStyleLst>
+      <a:bgFillStyleLst>
+        <a:solidFill>
+          <a:schemeClr val="phClr"/>
+        </a:solidFill>
+        <a:solidFill>
+          <a:schemeClr val="phClr">
+            <a:tint val="95000"/>
+            <a:satMod val="170000"/>
+          </a:schemeClr>
+        </a:solidFill>
+        <a:gradFill rotWithShape="1">
+          <a:gsLst>
+            <a:gs pos="0">
+              <a:schemeClr val="phClr">
+                <a:tint val="93000"/>
+                <a:satMod val="150000"/>
+                <a:shade val="98000"/>
+                <a:lumMod val="102000"/>
+              </a:schemeClr>
+            </a:gs>
+            <a:gs pos="50000">
+              <a:schemeClr val="phClr">
+                <a:tint val="98000"/>
+                <a:satMod val="130000"/>
+                <a:shade val="90000"/>
+                <a:lumMod val="103000"/>
+              </a:schemeClr>
+            </a:gs>
+            <a:gs pos="100000">
+              <a:schemeClr val="phClr">
+                <a:shade val="63000"/>
+                <a:satMod val="120000"/>
+              </a:schemeClr>
+            </a:gs>
+          </a:gsLst>
+          <a:lin ang="5400000" scaled="0"/>
+        </a:gradFill>
+      </a:bgFillStyleLst>
+    </a:fmtScheme>
+  </a:themeElements>
+  <a:objectDefaults>
+    <a:lnDef>
+      <a:spPr/>
+      <a:bodyPr/>
+      <a:lstStyle/>
+      <a:style>
+        <a:lnRef idx="2">
+          <a:schemeClr val="accent1"/>
+        </a:lnRef>
+        <a:fillRef idx="0">
+          <a:schemeClr val="accent1"/>
+        </a:fillRef>
+        <a:effectRef idx="1">
+          <a:schemeClr val="accent1"/>
+        </a:effectRef>
+        <a:fontRef idx="minor">
+          <a:schemeClr val="tx1"/>
+        </a:fontRef>
+      </a:style>
+    </a:lnDef>
+  </a:objectDefaults>
+  <a:extraClrSchemeLst/>
+  <a:extLst>
+    <a:ext uri="{05A4C25C-085E-4340-85A3-A5531E510DB2}">
+      <thm15:themeFamily xmlns:thm15="http://schemas.microsoft.com/office/thememl/2012/main" name="Office Theme" id="{2E142A2C-CD16-42D6-873A-C26D2A0506FA}" vid="{1BDDFF52-6CD6-40A5-AB3C-68EB2F1E4D0A}"/>
+    </a:ext>
+  </a:extLst>
+</a:theme>
+</file>
+
 <file path=ppt/theme/themeOverride1.xml><?xml version="1.0" encoding="utf-8"?>
 <a:themeOverride xmlns:a="http://schemas.openxmlformats.org/drawingml/2006/main">
   <a:clrScheme name="LibreOffice">
